--- a/ps3/figures.pptx
+++ b/ps3/figures.pptx
@@ -7,6 +7,8 @@
   <p:sldIdLst>
     <p:sldId id="257" r:id="rId2"/>
     <p:sldId id="258" r:id="rId3"/>
+    <p:sldId id="259" r:id="rId4"/>
+    <p:sldId id="260" r:id="rId5"/>
   </p:sldIdLst>
   <p:sldSz cx="12192000" cy="6858000"/>
   <p:notesSz cx="6858000" cy="9144000"/>
@@ -244,7 +246,7 @@
           <a:p>
             <a:fld id="{63F02A81-5095-554F-95EC-867DC9721756}" type="datetimeFigureOut">
               <a:rPr lang="en-US" smtClean="0"/>
-              <a:t>10/7/18</a:t>
+              <a:t>10/9/18</a:t>
             </a:fld>
             <a:endParaRPr lang="en-US"/>
           </a:p>
@@ -414,7 +416,7 @@
           <a:p>
             <a:fld id="{63F02A81-5095-554F-95EC-867DC9721756}" type="datetimeFigureOut">
               <a:rPr lang="en-US" smtClean="0"/>
-              <a:t>10/7/18</a:t>
+              <a:t>10/9/18</a:t>
             </a:fld>
             <a:endParaRPr lang="en-US"/>
           </a:p>
@@ -594,7 +596,7 @@
           <a:p>
             <a:fld id="{63F02A81-5095-554F-95EC-867DC9721756}" type="datetimeFigureOut">
               <a:rPr lang="en-US" smtClean="0"/>
-              <a:t>10/7/18</a:t>
+              <a:t>10/9/18</a:t>
             </a:fld>
             <a:endParaRPr lang="en-US"/>
           </a:p>
@@ -764,7 +766,7 @@
           <a:p>
             <a:fld id="{63F02A81-5095-554F-95EC-867DC9721756}" type="datetimeFigureOut">
               <a:rPr lang="en-US" smtClean="0"/>
-              <a:t>10/7/18</a:t>
+              <a:t>10/9/18</a:t>
             </a:fld>
             <a:endParaRPr lang="en-US"/>
           </a:p>
@@ -1010,7 +1012,7 @@
           <a:p>
             <a:fld id="{63F02A81-5095-554F-95EC-867DC9721756}" type="datetimeFigureOut">
               <a:rPr lang="en-US" smtClean="0"/>
-              <a:t>10/7/18</a:t>
+              <a:t>10/9/18</a:t>
             </a:fld>
             <a:endParaRPr lang="en-US"/>
           </a:p>
@@ -1242,7 +1244,7 @@
           <a:p>
             <a:fld id="{63F02A81-5095-554F-95EC-867DC9721756}" type="datetimeFigureOut">
               <a:rPr lang="en-US" smtClean="0"/>
-              <a:t>10/7/18</a:t>
+              <a:t>10/9/18</a:t>
             </a:fld>
             <a:endParaRPr lang="en-US"/>
           </a:p>
@@ -1609,7 +1611,7 @@
           <a:p>
             <a:fld id="{63F02A81-5095-554F-95EC-867DC9721756}" type="datetimeFigureOut">
               <a:rPr lang="en-US" smtClean="0"/>
-              <a:t>10/7/18</a:t>
+              <a:t>10/9/18</a:t>
             </a:fld>
             <a:endParaRPr lang="en-US"/>
           </a:p>
@@ -1727,7 +1729,7 @@
           <a:p>
             <a:fld id="{63F02A81-5095-554F-95EC-867DC9721756}" type="datetimeFigureOut">
               <a:rPr lang="en-US" smtClean="0"/>
-              <a:t>10/7/18</a:t>
+              <a:t>10/9/18</a:t>
             </a:fld>
             <a:endParaRPr lang="en-US"/>
           </a:p>
@@ -1822,7 +1824,7 @@
           <a:p>
             <a:fld id="{63F02A81-5095-554F-95EC-867DC9721756}" type="datetimeFigureOut">
               <a:rPr lang="en-US" smtClean="0"/>
-              <a:t>10/7/18</a:t>
+              <a:t>10/9/18</a:t>
             </a:fld>
             <a:endParaRPr lang="en-US"/>
           </a:p>
@@ -2099,7 +2101,7 @@
           <a:p>
             <a:fld id="{63F02A81-5095-554F-95EC-867DC9721756}" type="datetimeFigureOut">
               <a:rPr lang="en-US" smtClean="0"/>
-              <a:t>10/7/18</a:t>
+              <a:t>10/9/18</a:t>
             </a:fld>
             <a:endParaRPr lang="en-US"/>
           </a:p>
@@ -2352,7 +2354,7 @@
           <a:p>
             <a:fld id="{63F02A81-5095-554F-95EC-867DC9721756}" type="datetimeFigureOut">
               <a:rPr lang="en-US" smtClean="0"/>
-              <a:t>10/7/18</a:t>
+              <a:t>10/9/18</a:t>
             </a:fld>
             <a:endParaRPr lang="en-US"/>
           </a:p>
@@ -2565,7 +2567,7 @@
           <a:p>
             <a:fld id="{63F02A81-5095-554F-95EC-867DC9721756}" type="datetimeFigureOut">
               <a:rPr lang="en-US" smtClean="0"/>
-              <a:t>10/7/18</a:t>
+              <a:t>10/9/18</a:t>
             </a:fld>
             <a:endParaRPr lang="en-US"/>
           </a:p>
@@ -3795,6 +3797,3206 @@
 </p:sld>
 </file>
 
+<file path=ppt/slides/slide3.xml><?xml version="1.0" encoding="utf-8"?>
+<p:sld xmlns:a="http://schemas.openxmlformats.org/drawingml/2006/main" xmlns:r="http://schemas.openxmlformats.org/officeDocument/2006/relationships" xmlns:p="http://schemas.openxmlformats.org/presentationml/2006/main">
+  <p:cSld>
+    <p:spTree>
+      <p:nvGrpSpPr>
+        <p:cNvPr id="1" name=""/>
+        <p:cNvGrpSpPr/>
+        <p:nvPr/>
+      </p:nvGrpSpPr>
+      <p:grpSpPr>
+        <a:xfrm>
+          <a:off x="0" y="0"/>
+          <a:ext cx="0" cy="0"/>
+          <a:chOff x="0" y="0"/>
+          <a:chExt cx="0" cy="0"/>
+        </a:xfrm>
+      </p:grpSpPr>
+      <p:sp>
+        <p:nvSpPr>
+          <p:cNvPr id="8" name="Oval 7"/>
+          <p:cNvSpPr/>
+          <p:nvPr/>
+        </p:nvSpPr>
+        <p:spPr>
+          <a:xfrm>
+            <a:off x="2800882" y="799754"/>
+            <a:ext cx="625008" cy="625008"/>
+          </a:xfrm>
+          <a:prstGeom prst="ellipse">
+            <a:avLst/>
+          </a:prstGeom>
+          <a:noFill/>
+          <a:ln w="25400">
+            <a:solidFill>
+              <a:schemeClr val="tx1"/>
+            </a:solidFill>
+          </a:ln>
+        </p:spPr>
+        <p:style>
+          <a:lnRef idx="2">
+            <a:schemeClr val="accent1">
+              <a:shade val="50000"/>
+            </a:schemeClr>
+          </a:lnRef>
+          <a:fillRef idx="1">
+            <a:schemeClr val="accent1"/>
+          </a:fillRef>
+          <a:effectRef idx="0">
+            <a:schemeClr val="accent1"/>
+          </a:effectRef>
+          <a:fontRef idx="minor">
+            <a:schemeClr val="lt1"/>
+          </a:fontRef>
+        </p:style>
+        <p:txBody>
+          <a:bodyPr rtlCol="0" anchor="ctr"/>
+          <a:lstStyle/>
+          <a:p>
+            <a:pPr algn="ctr"/>
+            <a:r>
+              <a:rPr lang="en-US" sz="2600" dirty="0" smtClean="0">
+                <a:solidFill>
+                  <a:schemeClr val="tx1"/>
+                </a:solidFill>
+              </a:rPr>
+              <a:t>x</a:t>
+            </a:r>
+            <a:r>
+              <a:rPr lang="en-US" sz="2600" baseline="-25000" dirty="0" smtClean="0">
+                <a:solidFill>
+                  <a:schemeClr val="tx1"/>
+                </a:solidFill>
+              </a:rPr>
+              <a:t>1</a:t>
+            </a:r>
+            <a:endParaRPr lang="en-US" sz="2600" dirty="0">
+              <a:solidFill>
+                <a:schemeClr val="tx1"/>
+              </a:solidFill>
+            </a:endParaRPr>
+          </a:p>
+        </p:txBody>
+      </p:sp>
+      <p:cxnSp>
+        <p:nvCxnSpPr>
+          <p:cNvPr id="27" name="Straight Arrow Connector 26"/>
+          <p:cNvCxnSpPr>
+            <a:stCxn id="8" idx="4"/>
+            <a:endCxn id="9" idx="0"/>
+          </p:cNvCxnSpPr>
+          <p:nvPr/>
+        </p:nvCxnSpPr>
+        <p:spPr>
+          <a:xfrm>
+            <a:off x="3113386" y="1424762"/>
+            <a:ext cx="0" cy="1039479"/>
+          </a:xfrm>
+          <a:prstGeom prst="straightConnector1">
+            <a:avLst/>
+          </a:prstGeom>
+          <a:ln w="31750">
+            <a:solidFill>
+              <a:schemeClr val="tx1"/>
+            </a:solidFill>
+            <a:prstDash val="solid"/>
+            <a:tailEnd type="none" w="lg" len="lg"/>
+          </a:ln>
+        </p:spPr>
+        <p:style>
+          <a:lnRef idx="1">
+            <a:schemeClr val="accent1"/>
+          </a:lnRef>
+          <a:fillRef idx="0">
+            <a:schemeClr val="accent1"/>
+          </a:fillRef>
+          <a:effectRef idx="0">
+            <a:schemeClr val="accent1"/>
+          </a:effectRef>
+          <a:fontRef idx="minor">
+            <a:schemeClr val="tx1"/>
+          </a:fontRef>
+        </p:style>
+      </p:cxnSp>
+      <p:sp>
+        <p:nvSpPr>
+          <p:cNvPr id="9" name="Oval 8"/>
+          <p:cNvSpPr/>
+          <p:nvPr/>
+        </p:nvSpPr>
+        <p:spPr>
+          <a:xfrm>
+            <a:off x="2800882" y="2464241"/>
+            <a:ext cx="625008" cy="625008"/>
+          </a:xfrm>
+          <a:prstGeom prst="ellipse">
+            <a:avLst/>
+          </a:prstGeom>
+          <a:noFill/>
+          <a:ln w="25400">
+            <a:solidFill>
+              <a:schemeClr val="tx1"/>
+            </a:solidFill>
+          </a:ln>
+        </p:spPr>
+        <p:style>
+          <a:lnRef idx="2">
+            <a:schemeClr val="accent1">
+              <a:shade val="50000"/>
+            </a:schemeClr>
+          </a:lnRef>
+          <a:fillRef idx="1">
+            <a:schemeClr val="accent1"/>
+          </a:fillRef>
+          <a:effectRef idx="0">
+            <a:schemeClr val="accent1"/>
+          </a:effectRef>
+          <a:fontRef idx="minor">
+            <a:schemeClr val="lt1"/>
+          </a:fontRef>
+        </p:style>
+        <p:txBody>
+          <a:bodyPr rtlCol="0" anchor="ctr"/>
+          <a:lstStyle/>
+          <a:p>
+            <a:pPr algn="ctr"/>
+            <a:r>
+              <a:rPr lang="en-US" sz="2600" dirty="0" smtClean="0">
+                <a:solidFill>
+                  <a:schemeClr val="tx1"/>
+                </a:solidFill>
+              </a:rPr>
+              <a:t>x</a:t>
+            </a:r>
+            <a:r>
+              <a:rPr lang="en-US" sz="2600" baseline="-25000" dirty="0">
+                <a:solidFill>
+                  <a:schemeClr val="tx1"/>
+                </a:solidFill>
+              </a:rPr>
+              <a:t>4</a:t>
+            </a:r>
+            <a:endParaRPr lang="en-US" sz="2600" dirty="0">
+              <a:solidFill>
+                <a:schemeClr val="tx1"/>
+              </a:solidFill>
+            </a:endParaRPr>
+          </a:p>
+        </p:txBody>
+      </p:sp>
+      <p:sp>
+        <p:nvSpPr>
+          <p:cNvPr id="10" name="Oval 9"/>
+          <p:cNvSpPr/>
+          <p:nvPr/>
+        </p:nvSpPr>
+        <p:spPr>
+          <a:xfrm>
+            <a:off x="4548166" y="799754"/>
+            <a:ext cx="625008" cy="625008"/>
+          </a:xfrm>
+          <a:prstGeom prst="ellipse">
+            <a:avLst/>
+          </a:prstGeom>
+          <a:noFill/>
+          <a:ln w="25400">
+            <a:solidFill>
+              <a:schemeClr val="tx1"/>
+            </a:solidFill>
+          </a:ln>
+        </p:spPr>
+        <p:style>
+          <a:lnRef idx="2">
+            <a:schemeClr val="accent1">
+              <a:shade val="50000"/>
+            </a:schemeClr>
+          </a:lnRef>
+          <a:fillRef idx="1">
+            <a:schemeClr val="accent1"/>
+          </a:fillRef>
+          <a:effectRef idx="0">
+            <a:schemeClr val="accent1"/>
+          </a:effectRef>
+          <a:fontRef idx="minor">
+            <a:schemeClr val="lt1"/>
+          </a:fontRef>
+        </p:style>
+        <p:txBody>
+          <a:bodyPr rtlCol="0" anchor="ctr"/>
+          <a:lstStyle/>
+          <a:p>
+            <a:pPr algn="ctr"/>
+            <a:r>
+              <a:rPr lang="en-US" sz="2600" dirty="0" smtClean="0">
+                <a:solidFill>
+                  <a:schemeClr val="tx1"/>
+                </a:solidFill>
+              </a:rPr>
+              <a:t>x</a:t>
+            </a:r>
+            <a:r>
+              <a:rPr lang="en-US" sz="2600" baseline="-25000" dirty="0">
+                <a:solidFill>
+                  <a:schemeClr val="tx1"/>
+                </a:solidFill>
+              </a:rPr>
+              <a:t>2</a:t>
+            </a:r>
+            <a:endParaRPr lang="en-US" sz="2600" dirty="0">
+              <a:solidFill>
+                <a:schemeClr val="tx1"/>
+              </a:solidFill>
+            </a:endParaRPr>
+          </a:p>
+        </p:txBody>
+      </p:sp>
+      <p:sp>
+        <p:nvSpPr>
+          <p:cNvPr id="12" name="Oval 11"/>
+          <p:cNvSpPr/>
+          <p:nvPr/>
+        </p:nvSpPr>
+        <p:spPr>
+          <a:xfrm>
+            <a:off x="4548166" y="2464241"/>
+            <a:ext cx="625008" cy="625008"/>
+          </a:xfrm>
+          <a:prstGeom prst="ellipse">
+            <a:avLst/>
+          </a:prstGeom>
+          <a:noFill/>
+          <a:ln w="25400">
+            <a:solidFill>
+              <a:schemeClr val="tx1"/>
+            </a:solidFill>
+          </a:ln>
+        </p:spPr>
+        <p:style>
+          <a:lnRef idx="2">
+            <a:schemeClr val="accent1">
+              <a:shade val="50000"/>
+            </a:schemeClr>
+          </a:lnRef>
+          <a:fillRef idx="1">
+            <a:schemeClr val="accent1"/>
+          </a:fillRef>
+          <a:effectRef idx="0">
+            <a:schemeClr val="accent1"/>
+          </a:effectRef>
+          <a:fontRef idx="minor">
+            <a:schemeClr val="lt1"/>
+          </a:fontRef>
+        </p:style>
+        <p:txBody>
+          <a:bodyPr rtlCol="0" anchor="ctr"/>
+          <a:lstStyle/>
+          <a:p>
+            <a:pPr algn="ctr"/>
+            <a:r>
+              <a:rPr lang="en-US" sz="2600" dirty="0" smtClean="0">
+                <a:solidFill>
+                  <a:schemeClr val="tx1"/>
+                </a:solidFill>
+              </a:rPr>
+              <a:t>x</a:t>
+            </a:r>
+            <a:r>
+              <a:rPr lang="en-US" sz="2600" baseline="-25000" dirty="0">
+                <a:solidFill>
+                  <a:schemeClr val="tx1"/>
+                </a:solidFill>
+              </a:rPr>
+              <a:t>5</a:t>
+            </a:r>
+            <a:endParaRPr lang="en-US" sz="2600" dirty="0">
+              <a:solidFill>
+                <a:schemeClr val="tx1"/>
+              </a:solidFill>
+            </a:endParaRPr>
+          </a:p>
+        </p:txBody>
+      </p:sp>
+      <p:cxnSp>
+        <p:nvCxnSpPr>
+          <p:cNvPr id="14" name="Straight Arrow Connector 13"/>
+          <p:cNvCxnSpPr>
+            <a:stCxn id="10" idx="4"/>
+            <a:endCxn id="12" idx="0"/>
+          </p:cNvCxnSpPr>
+          <p:nvPr/>
+        </p:nvCxnSpPr>
+        <p:spPr>
+          <a:xfrm>
+            <a:off x="4860670" y="1424762"/>
+            <a:ext cx="0" cy="1039479"/>
+          </a:xfrm>
+          <a:prstGeom prst="straightConnector1">
+            <a:avLst/>
+          </a:prstGeom>
+          <a:ln w="31750">
+            <a:solidFill>
+              <a:schemeClr val="tx1"/>
+            </a:solidFill>
+            <a:prstDash val="solid"/>
+            <a:tailEnd type="none" w="lg" len="lg"/>
+          </a:ln>
+        </p:spPr>
+        <p:style>
+          <a:lnRef idx="1">
+            <a:schemeClr val="accent1"/>
+          </a:lnRef>
+          <a:fillRef idx="0">
+            <a:schemeClr val="accent1"/>
+          </a:fillRef>
+          <a:effectRef idx="0">
+            <a:schemeClr val="accent1"/>
+          </a:effectRef>
+          <a:fontRef idx="minor">
+            <a:schemeClr val="tx1"/>
+          </a:fontRef>
+        </p:style>
+      </p:cxnSp>
+      <p:cxnSp>
+        <p:nvCxnSpPr>
+          <p:cNvPr id="11" name="Straight Arrow Connector 10"/>
+          <p:cNvCxnSpPr>
+            <a:stCxn id="8" idx="6"/>
+            <a:endCxn id="10" idx="2"/>
+          </p:cNvCxnSpPr>
+          <p:nvPr/>
+        </p:nvCxnSpPr>
+        <p:spPr>
+          <a:xfrm>
+            <a:off x="3425890" y="1112258"/>
+            <a:ext cx="1122276" cy="0"/>
+          </a:xfrm>
+          <a:prstGeom prst="straightConnector1">
+            <a:avLst/>
+          </a:prstGeom>
+          <a:ln w="31750">
+            <a:solidFill>
+              <a:schemeClr val="tx1"/>
+            </a:solidFill>
+            <a:prstDash val="solid"/>
+            <a:tailEnd type="none" w="lg" len="lg"/>
+          </a:ln>
+        </p:spPr>
+        <p:style>
+          <a:lnRef idx="1">
+            <a:schemeClr val="accent1"/>
+          </a:lnRef>
+          <a:fillRef idx="0">
+            <a:schemeClr val="accent1"/>
+          </a:fillRef>
+          <a:effectRef idx="0">
+            <a:schemeClr val="accent1"/>
+          </a:effectRef>
+          <a:fontRef idx="minor">
+            <a:schemeClr val="tx1"/>
+          </a:fontRef>
+        </p:style>
+      </p:cxnSp>
+      <p:cxnSp>
+        <p:nvCxnSpPr>
+          <p:cNvPr id="13" name="Straight Arrow Connector 12"/>
+          <p:cNvCxnSpPr>
+            <a:stCxn id="9" idx="6"/>
+            <a:endCxn id="12" idx="2"/>
+          </p:cNvCxnSpPr>
+          <p:nvPr/>
+        </p:nvCxnSpPr>
+        <p:spPr>
+          <a:xfrm>
+            <a:off x="3425890" y="2776745"/>
+            <a:ext cx="1122276" cy="0"/>
+          </a:xfrm>
+          <a:prstGeom prst="straightConnector1">
+            <a:avLst/>
+          </a:prstGeom>
+          <a:ln w="31750">
+            <a:solidFill>
+              <a:schemeClr val="tx1"/>
+            </a:solidFill>
+            <a:prstDash val="solid"/>
+            <a:tailEnd type="none" w="lg" len="lg"/>
+          </a:ln>
+        </p:spPr>
+        <p:style>
+          <a:lnRef idx="1">
+            <a:schemeClr val="accent1"/>
+          </a:lnRef>
+          <a:fillRef idx="0">
+            <a:schemeClr val="accent1"/>
+          </a:fillRef>
+          <a:effectRef idx="0">
+            <a:schemeClr val="accent1"/>
+          </a:effectRef>
+          <a:fontRef idx="minor">
+            <a:schemeClr val="tx1"/>
+          </a:fontRef>
+        </p:style>
+      </p:cxnSp>
+      <p:sp>
+        <p:nvSpPr>
+          <p:cNvPr id="15" name="Oval 14"/>
+          <p:cNvSpPr/>
+          <p:nvPr/>
+        </p:nvSpPr>
+        <p:spPr>
+          <a:xfrm>
+            <a:off x="6295450" y="799754"/>
+            <a:ext cx="625008" cy="625008"/>
+          </a:xfrm>
+          <a:prstGeom prst="ellipse">
+            <a:avLst/>
+          </a:prstGeom>
+          <a:noFill/>
+          <a:ln w="25400">
+            <a:solidFill>
+              <a:schemeClr val="tx1"/>
+            </a:solidFill>
+          </a:ln>
+        </p:spPr>
+        <p:style>
+          <a:lnRef idx="2">
+            <a:schemeClr val="accent1">
+              <a:shade val="50000"/>
+            </a:schemeClr>
+          </a:lnRef>
+          <a:fillRef idx="1">
+            <a:schemeClr val="accent1"/>
+          </a:fillRef>
+          <a:effectRef idx="0">
+            <a:schemeClr val="accent1"/>
+          </a:effectRef>
+          <a:fontRef idx="minor">
+            <a:schemeClr val="lt1"/>
+          </a:fontRef>
+        </p:style>
+        <p:txBody>
+          <a:bodyPr rtlCol="0" anchor="ctr"/>
+          <a:lstStyle/>
+          <a:p>
+            <a:pPr algn="ctr"/>
+            <a:r>
+              <a:rPr lang="en-US" sz="2600" dirty="0" smtClean="0">
+                <a:solidFill>
+                  <a:schemeClr val="tx1"/>
+                </a:solidFill>
+              </a:rPr>
+              <a:t>x</a:t>
+            </a:r>
+            <a:r>
+              <a:rPr lang="en-US" sz="2600" baseline="-25000" dirty="0">
+                <a:solidFill>
+                  <a:schemeClr val="tx1"/>
+                </a:solidFill>
+              </a:rPr>
+              <a:t>3</a:t>
+            </a:r>
+            <a:endParaRPr lang="en-US" sz="2600" dirty="0">
+              <a:solidFill>
+                <a:schemeClr val="tx1"/>
+              </a:solidFill>
+            </a:endParaRPr>
+          </a:p>
+        </p:txBody>
+      </p:sp>
+      <p:sp>
+        <p:nvSpPr>
+          <p:cNvPr id="16" name="Oval 15"/>
+          <p:cNvSpPr/>
+          <p:nvPr/>
+        </p:nvSpPr>
+        <p:spPr>
+          <a:xfrm>
+            <a:off x="6295450" y="2464241"/>
+            <a:ext cx="625008" cy="625008"/>
+          </a:xfrm>
+          <a:prstGeom prst="ellipse">
+            <a:avLst/>
+          </a:prstGeom>
+          <a:noFill/>
+          <a:ln w="25400">
+            <a:solidFill>
+              <a:schemeClr val="tx1"/>
+            </a:solidFill>
+          </a:ln>
+        </p:spPr>
+        <p:style>
+          <a:lnRef idx="2">
+            <a:schemeClr val="accent1">
+              <a:shade val="50000"/>
+            </a:schemeClr>
+          </a:lnRef>
+          <a:fillRef idx="1">
+            <a:schemeClr val="accent1"/>
+          </a:fillRef>
+          <a:effectRef idx="0">
+            <a:schemeClr val="accent1"/>
+          </a:effectRef>
+          <a:fontRef idx="minor">
+            <a:schemeClr val="lt1"/>
+          </a:fontRef>
+        </p:style>
+        <p:txBody>
+          <a:bodyPr rtlCol="0" anchor="ctr"/>
+          <a:lstStyle/>
+          <a:p>
+            <a:pPr algn="ctr"/>
+            <a:r>
+              <a:rPr lang="en-US" sz="2600" dirty="0" smtClean="0">
+                <a:solidFill>
+                  <a:schemeClr val="tx1"/>
+                </a:solidFill>
+              </a:rPr>
+              <a:t>x</a:t>
+            </a:r>
+            <a:r>
+              <a:rPr lang="en-US" sz="2600" baseline="-25000" dirty="0">
+                <a:solidFill>
+                  <a:schemeClr val="tx1"/>
+                </a:solidFill>
+              </a:rPr>
+              <a:t>6</a:t>
+            </a:r>
+            <a:endParaRPr lang="en-US" sz="2600" dirty="0">
+              <a:solidFill>
+                <a:schemeClr val="tx1"/>
+              </a:solidFill>
+            </a:endParaRPr>
+          </a:p>
+        </p:txBody>
+      </p:sp>
+      <p:cxnSp>
+        <p:nvCxnSpPr>
+          <p:cNvPr id="17" name="Straight Arrow Connector 16"/>
+          <p:cNvCxnSpPr/>
+          <p:nvPr/>
+        </p:nvCxnSpPr>
+        <p:spPr>
+          <a:xfrm>
+            <a:off x="6607954" y="1424762"/>
+            <a:ext cx="0" cy="1039479"/>
+          </a:xfrm>
+          <a:prstGeom prst="straightConnector1">
+            <a:avLst/>
+          </a:prstGeom>
+          <a:ln w="31750">
+            <a:solidFill>
+              <a:schemeClr val="tx1"/>
+            </a:solidFill>
+            <a:prstDash val="solid"/>
+            <a:tailEnd type="none" w="lg" len="lg"/>
+          </a:ln>
+        </p:spPr>
+        <p:style>
+          <a:lnRef idx="1">
+            <a:schemeClr val="accent1"/>
+          </a:lnRef>
+          <a:fillRef idx="0">
+            <a:schemeClr val="accent1"/>
+          </a:fillRef>
+          <a:effectRef idx="0">
+            <a:schemeClr val="accent1"/>
+          </a:effectRef>
+          <a:fontRef idx="minor">
+            <a:schemeClr val="tx1"/>
+          </a:fontRef>
+        </p:style>
+      </p:cxnSp>
+      <p:sp>
+        <p:nvSpPr>
+          <p:cNvPr id="18" name="Oval 17"/>
+          <p:cNvSpPr/>
+          <p:nvPr/>
+        </p:nvSpPr>
+        <p:spPr>
+          <a:xfrm>
+            <a:off x="2800882" y="4128727"/>
+            <a:ext cx="625008" cy="625008"/>
+          </a:xfrm>
+          <a:prstGeom prst="ellipse">
+            <a:avLst/>
+          </a:prstGeom>
+          <a:noFill/>
+          <a:ln w="25400">
+            <a:solidFill>
+              <a:schemeClr val="tx1"/>
+            </a:solidFill>
+          </a:ln>
+        </p:spPr>
+        <p:style>
+          <a:lnRef idx="2">
+            <a:schemeClr val="accent1">
+              <a:shade val="50000"/>
+            </a:schemeClr>
+          </a:lnRef>
+          <a:fillRef idx="1">
+            <a:schemeClr val="accent1"/>
+          </a:fillRef>
+          <a:effectRef idx="0">
+            <a:schemeClr val="accent1"/>
+          </a:effectRef>
+          <a:fontRef idx="minor">
+            <a:schemeClr val="lt1"/>
+          </a:fontRef>
+        </p:style>
+        <p:txBody>
+          <a:bodyPr rtlCol="0" anchor="ctr"/>
+          <a:lstStyle/>
+          <a:p>
+            <a:pPr algn="ctr"/>
+            <a:r>
+              <a:rPr lang="en-US" sz="2600" dirty="0" smtClean="0">
+                <a:solidFill>
+                  <a:schemeClr val="tx1"/>
+                </a:solidFill>
+              </a:rPr>
+              <a:t>x</a:t>
+            </a:r>
+            <a:r>
+              <a:rPr lang="en-US" sz="2600" baseline="-25000" dirty="0">
+                <a:solidFill>
+                  <a:schemeClr val="tx1"/>
+                </a:solidFill>
+              </a:rPr>
+              <a:t>7</a:t>
+            </a:r>
+            <a:endParaRPr lang="en-US" sz="2600" dirty="0">
+              <a:solidFill>
+                <a:schemeClr val="tx1"/>
+              </a:solidFill>
+            </a:endParaRPr>
+          </a:p>
+        </p:txBody>
+      </p:sp>
+      <p:sp>
+        <p:nvSpPr>
+          <p:cNvPr id="19" name="Oval 18"/>
+          <p:cNvSpPr/>
+          <p:nvPr/>
+        </p:nvSpPr>
+        <p:spPr>
+          <a:xfrm>
+            <a:off x="4548166" y="4128727"/>
+            <a:ext cx="625008" cy="625008"/>
+          </a:xfrm>
+          <a:prstGeom prst="ellipse">
+            <a:avLst/>
+          </a:prstGeom>
+          <a:noFill/>
+          <a:ln w="25400">
+            <a:solidFill>
+              <a:schemeClr val="tx1"/>
+            </a:solidFill>
+          </a:ln>
+        </p:spPr>
+        <p:style>
+          <a:lnRef idx="2">
+            <a:schemeClr val="accent1">
+              <a:shade val="50000"/>
+            </a:schemeClr>
+          </a:lnRef>
+          <a:fillRef idx="1">
+            <a:schemeClr val="accent1"/>
+          </a:fillRef>
+          <a:effectRef idx="0">
+            <a:schemeClr val="accent1"/>
+          </a:effectRef>
+          <a:fontRef idx="minor">
+            <a:schemeClr val="lt1"/>
+          </a:fontRef>
+        </p:style>
+        <p:txBody>
+          <a:bodyPr rtlCol="0" anchor="ctr"/>
+          <a:lstStyle/>
+          <a:p>
+            <a:pPr algn="ctr"/>
+            <a:r>
+              <a:rPr lang="en-US" sz="2600" dirty="0" smtClean="0">
+                <a:solidFill>
+                  <a:schemeClr val="tx1"/>
+                </a:solidFill>
+              </a:rPr>
+              <a:t>x</a:t>
+            </a:r>
+            <a:r>
+              <a:rPr lang="en-US" sz="2600" baseline="-25000" dirty="0">
+                <a:solidFill>
+                  <a:schemeClr val="tx1"/>
+                </a:solidFill>
+              </a:rPr>
+              <a:t>8</a:t>
+            </a:r>
+            <a:endParaRPr lang="en-US" sz="2600" dirty="0">
+              <a:solidFill>
+                <a:schemeClr val="tx1"/>
+              </a:solidFill>
+            </a:endParaRPr>
+          </a:p>
+        </p:txBody>
+      </p:sp>
+      <p:cxnSp>
+        <p:nvCxnSpPr>
+          <p:cNvPr id="20" name="Straight Arrow Connector 19"/>
+          <p:cNvCxnSpPr/>
+          <p:nvPr/>
+        </p:nvCxnSpPr>
+        <p:spPr>
+          <a:xfrm>
+            <a:off x="3425890" y="4441231"/>
+            <a:ext cx="1122276" cy="0"/>
+          </a:xfrm>
+          <a:prstGeom prst="straightConnector1">
+            <a:avLst/>
+          </a:prstGeom>
+          <a:ln w="31750">
+            <a:solidFill>
+              <a:schemeClr val="tx1"/>
+            </a:solidFill>
+            <a:prstDash val="solid"/>
+            <a:tailEnd type="none" w="lg" len="lg"/>
+          </a:ln>
+        </p:spPr>
+        <p:style>
+          <a:lnRef idx="1">
+            <a:schemeClr val="accent1"/>
+          </a:lnRef>
+          <a:fillRef idx="0">
+            <a:schemeClr val="accent1"/>
+          </a:fillRef>
+          <a:effectRef idx="0">
+            <a:schemeClr val="accent1"/>
+          </a:effectRef>
+          <a:fontRef idx="minor">
+            <a:schemeClr val="tx1"/>
+          </a:fontRef>
+        </p:style>
+      </p:cxnSp>
+      <p:sp>
+        <p:nvSpPr>
+          <p:cNvPr id="21" name="Oval 20"/>
+          <p:cNvSpPr/>
+          <p:nvPr/>
+        </p:nvSpPr>
+        <p:spPr>
+          <a:xfrm>
+            <a:off x="6295450" y="4128727"/>
+            <a:ext cx="625008" cy="625008"/>
+          </a:xfrm>
+          <a:prstGeom prst="ellipse">
+            <a:avLst/>
+          </a:prstGeom>
+          <a:noFill/>
+          <a:ln w="25400">
+            <a:solidFill>
+              <a:schemeClr val="tx1"/>
+            </a:solidFill>
+          </a:ln>
+        </p:spPr>
+        <p:style>
+          <a:lnRef idx="2">
+            <a:schemeClr val="accent1">
+              <a:shade val="50000"/>
+            </a:schemeClr>
+          </a:lnRef>
+          <a:fillRef idx="1">
+            <a:schemeClr val="accent1"/>
+          </a:fillRef>
+          <a:effectRef idx="0">
+            <a:schemeClr val="accent1"/>
+          </a:effectRef>
+          <a:fontRef idx="minor">
+            <a:schemeClr val="lt1"/>
+          </a:fontRef>
+        </p:style>
+        <p:txBody>
+          <a:bodyPr rtlCol="0" anchor="ctr"/>
+          <a:lstStyle/>
+          <a:p>
+            <a:pPr algn="ctr"/>
+            <a:r>
+              <a:rPr lang="en-US" sz="2600" dirty="0" smtClean="0">
+                <a:solidFill>
+                  <a:schemeClr val="tx1"/>
+                </a:solidFill>
+              </a:rPr>
+              <a:t>x</a:t>
+            </a:r>
+            <a:r>
+              <a:rPr lang="en-US" sz="2600" baseline="-25000" dirty="0">
+                <a:solidFill>
+                  <a:schemeClr val="tx1"/>
+                </a:solidFill>
+              </a:rPr>
+              <a:t>9</a:t>
+            </a:r>
+            <a:endParaRPr lang="en-US" sz="2600" dirty="0">
+              <a:solidFill>
+                <a:schemeClr val="tx1"/>
+              </a:solidFill>
+            </a:endParaRPr>
+          </a:p>
+        </p:txBody>
+      </p:sp>
+      <p:cxnSp>
+        <p:nvCxnSpPr>
+          <p:cNvPr id="22" name="Straight Arrow Connector 21"/>
+          <p:cNvCxnSpPr>
+            <a:stCxn id="9" idx="4"/>
+            <a:endCxn id="18" idx="0"/>
+          </p:cNvCxnSpPr>
+          <p:nvPr/>
+        </p:nvCxnSpPr>
+        <p:spPr>
+          <a:xfrm>
+            <a:off x="3113386" y="3089249"/>
+            <a:ext cx="0" cy="1039478"/>
+          </a:xfrm>
+          <a:prstGeom prst="straightConnector1">
+            <a:avLst/>
+          </a:prstGeom>
+          <a:ln w="31750">
+            <a:solidFill>
+              <a:schemeClr val="tx1"/>
+            </a:solidFill>
+            <a:prstDash val="solid"/>
+            <a:tailEnd type="none" w="lg" len="lg"/>
+          </a:ln>
+        </p:spPr>
+        <p:style>
+          <a:lnRef idx="1">
+            <a:schemeClr val="accent1"/>
+          </a:lnRef>
+          <a:fillRef idx="0">
+            <a:schemeClr val="accent1"/>
+          </a:fillRef>
+          <a:effectRef idx="0">
+            <a:schemeClr val="accent1"/>
+          </a:effectRef>
+          <a:fontRef idx="minor">
+            <a:schemeClr val="tx1"/>
+          </a:fontRef>
+        </p:style>
+      </p:cxnSp>
+      <p:cxnSp>
+        <p:nvCxnSpPr>
+          <p:cNvPr id="23" name="Straight Arrow Connector 22"/>
+          <p:cNvCxnSpPr>
+            <a:stCxn id="12" idx="4"/>
+            <a:endCxn id="19" idx="0"/>
+          </p:cNvCxnSpPr>
+          <p:nvPr/>
+        </p:nvCxnSpPr>
+        <p:spPr>
+          <a:xfrm>
+            <a:off x="4860670" y="3089249"/>
+            <a:ext cx="0" cy="1039478"/>
+          </a:xfrm>
+          <a:prstGeom prst="straightConnector1">
+            <a:avLst/>
+          </a:prstGeom>
+          <a:ln w="31750">
+            <a:solidFill>
+              <a:schemeClr val="tx1"/>
+            </a:solidFill>
+            <a:prstDash val="solid"/>
+            <a:tailEnd type="none" w="lg" len="lg"/>
+          </a:ln>
+        </p:spPr>
+        <p:style>
+          <a:lnRef idx="1">
+            <a:schemeClr val="accent1"/>
+          </a:lnRef>
+          <a:fillRef idx="0">
+            <a:schemeClr val="accent1"/>
+          </a:fillRef>
+          <a:effectRef idx="0">
+            <a:schemeClr val="accent1"/>
+          </a:effectRef>
+          <a:fontRef idx="minor">
+            <a:schemeClr val="tx1"/>
+          </a:fontRef>
+        </p:style>
+      </p:cxnSp>
+      <p:cxnSp>
+        <p:nvCxnSpPr>
+          <p:cNvPr id="24" name="Straight Arrow Connector 23"/>
+          <p:cNvCxnSpPr>
+            <a:stCxn id="16" idx="4"/>
+            <a:endCxn id="21" idx="0"/>
+          </p:cNvCxnSpPr>
+          <p:nvPr/>
+        </p:nvCxnSpPr>
+        <p:spPr>
+          <a:xfrm>
+            <a:off x="6607954" y="3089249"/>
+            <a:ext cx="0" cy="1039478"/>
+          </a:xfrm>
+          <a:prstGeom prst="straightConnector1">
+            <a:avLst/>
+          </a:prstGeom>
+          <a:ln w="31750">
+            <a:solidFill>
+              <a:schemeClr val="tx1"/>
+            </a:solidFill>
+            <a:prstDash val="solid"/>
+            <a:tailEnd type="none" w="lg" len="lg"/>
+          </a:ln>
+        </p:spPr>
+        <p:style>
+          <a:lnRef idx="1">
+            <a:schemeClr val="accent1"/>
+          </a:lnRef>
+          <a:fillRef idx="0">
+            <a:schemeClr val="accent1"/>
+          </a:fillRef>
+          <a:effectRef idx="0">
+            <a:schemeClr val="accent1"/>
+          </a:effectRef>
+          <a:fontRef idx="minor">
+            <a:schemeClr val="tx1"/>
+          </a:fontRef>
+        </p:style>
+      </p:cxnSp>
+      <p:cxnSp>
+        <p:nvCxnSpPr>
+          <p:cNvPr id="26" name="Straight Arrow Connector 25"/>
+          <p:cNvCxnSpPr>
+            <a:stCxn id="19" idx="6"/>
+            <a:endCxn id="21" idx="2"/>
+          </p:cNvCxnSpPr>
+          <p:nvPr/>
+        </p:nvCxnSpPr>
+        <p:spPr>
+          <a:xfrm>
+            <a:off x="5173174" y="4441231"/>
+            <a:ext cx="1122276" cy="0"/>
+          </a:xfrm>
+          <a:prstGeom prst="straightConnector1">
+            <a:avLst/>
+          </a:prstGeom>
+          <a:ln w="31750">
+            <a:solidFill>
+              <a:schemeClr val="tx1"/>
+            </a:solidFill>
+            <a:prstDash val="solid"/>
+            <a:tailEnd type="none" w="lg" len="lg"/>
+          </a:ln>
+        </p:spPr>
+        <p:style>
+          <a:lnRef idx="1">
+            <a:schemeClr val="accent1"/>
+          </a:lnRef>
+          <a:fillRef idx="0">
+            <a:schemeClr val="accent1"/>
+          </a:fillRef>
+          <a:effectRef idx="0">
+            <a:schemeClr val="accent1"/>
+          </a:effectRef>
+          <a:fontRef idx="minor">
+            <a:schemeClr val="tx1"/>
+          </a:fontRef>
+        </p:style>
+      </p:cxnSp>
+      <p:cxnSp>
+        <p:nvCxnSpPr>
+          <p:cNvPr id="30" name="Straight Arrow Connector 29"/>
+          <p:cNvCxnSpPr>
+            <a:stCxn id="12" idx="6"/>
+            <a:endCxn id="16" idx="2"/>
+          </p:cNvCxnSpPr>
+          <p:nvPr/>
+        </p:nvCxnSpPr>
+        <p:spPr>
+          <a:xfrm>
+            <a:off x="5173174" y="2776745"/>
+            <a:ext cx="1122276" cy="0"/>
+          </a:xfrm>
+          <a:prstGeom prst="straightConnector1">
+            <a:avLst/>
+          </a:prstGeom>
+          <a:ln w="31750">
+            <a:solidFill>
+              <a:schemeClr val="tx1"/>
+            </a:solidFill>
+            <a:prstDash val="solid"/>
+            <a:tailEnd type="none" w="lg" len="lg"/>
+          </a:ln>
+        </p:spPr>
+        <p:style>
+          <a:lnRef idx="1">
+            <a:schemeClr val="accent1"/>
+          </a:lnRef>
+          <a:fillRef idx="0">
+            <a:schemeClr val="accent1"/>
+          </a:fillRef>
+          <a:effectRef idx="0">
+            <a:schemeClr val="accent1"/>
+          </a:effectRef>
+          <a:fontRef idx="minor">
+            <a:schemeClr val="tx1"/>
+          </a:fontRef>
+        </p:style>
+      </p:cxnSp>
+      <p:cxnSp>
+        <p:nvCxnSpPr>
+          <p:cNvPr id="33" name="Straight Arrow Connector 32"/>
+          <p:cNvCxnSpPr>
+            <a:stCxn id="10" idx="6"/>
+            <a:endCxn id="15" idx="2"/>
+          </p:cNvCxnSpPr>
+          <p:nvPr/>
+        </p:nvCxnSpPr>
+        <p:spPr>
+          <a:xfrm>
+            <a:off x="5173174" y="1112258"/>
+            <a:ext cx="1122276" cy="0"/>
+          </a:xfrm>
+          <a:prstGeom prst="straightConnector1">
+            <a:avLst/>
+          </a:prstGeom>
+          <a:ln w="31750">
+            <a:solidFill>
+              <a:schemeClr val="tx1"/>
+            </a:solidFill>
+            <a:prstDash val="solid"/>
+            <a:tailEnd type="none" w="lg" len="lg"/>
+          </a:ln>
+        </p:spPr>
+        <p:style>
+          <a:lnRef idx="1">
+            <a:schemeClr val="accent1"/>
+          </a:lnRef>
+          <a:fillRef idx="0">
+            <a:schemeClr val="accent1"/>
+          </a:fillRef>
+          <a:effectRef idx="0">
+            <a:schemeClr val="accent1"/>
+          </a:effectRef>
+          <a:fontRef idx="minor">
+            <a:schemeClr val="tx1"/>
+          </a:fontRef>
+        </p:style>
+      </p:cxnSp>
+    </p:spTree>
+    <p:extLst>
+      <p:ext uri="{BB962C8B-B14F-4D97-AF65-F5344CB8AC3E}">
+        <p14:creationId xmlns:p14="http://schemas.microsoft.com/office/powerpoint/2010/main" val="550995193"/>
+      </p:ext>
+    </p:extLst>
+  </p:cSld>
+  <p:clrMapOvr>
+    <a:masterClrMapping/>
+  </p:clrMapOvr>
+  <p:timing>
+    <p:tnLst>
+      <p:par>
+        <p:cTn id="1" dur="indefinite" restart="never" nodeType="tmRoot"/>
+      </p:par>
+    </p:tnLst>
+  </p:timing>
+</p:sld>
+</file>
+
+<file path=ppt/slides/slide4.xml><?xml version="1.0" encoding="utf-8"?>
+<p:sld xmlns:a="http://schemas.openxmlformats.org/drawingml/2006/main" xmlns:r="http://schemas.openxmlformats.org/officeDocument/2006/relationships" xmlns:p="http://schemas.openxmlformats.org/presentationml/2006/main">
+  <p:cSld>
+    <p:spTree>
+      <p:nvGrpSpPr>
+        <p:cNvPr id="1" name=""/>
+        <p:cNvGrpSpPr/>
+        <p:nvPr/>
+      </p:nvGrpSpPr>
+      <p:grpSpPr>
+        <a:xfrm>
+          <a:off x="0" y="0"/>
+          <a:ext cx="0" cy="0"/>
+          <a:chOff x="0" y="0"/>
+          <a:chExt cx="0" cy="0"/>
+        </a:xfrm>
+      </p:grpSpPr>
+      <p:sp>
+        <p:nvSpPr>
+          <p:cNvPr id="8" name="Oval 7"/>
+          <p:cNvSpPr/>
+          <p:nvPr/>
+        </p:nvSpPr>
+        <p:spPr>
+          <a:xfrm>
+            <a:off x="2800882" y="799754"/>
+            <a:ext cx="625008" cy="625008"/>
+          </a:xfrm>
+          <a:prstGeom prst="ellipse">
+            <a:avLst/>
+          </a:prstGeom>
+          <a:noFill/>
+          <a:ln w="25400">
+            <a:solidFill>
+              <a:schemeClr val="tx1"/>
+            </a:solidFill>
+          </a:ln>
+        </p:spPr>
+        <p:style>
+          <a:lnRef idx="2">
+            <a:schemeClr val="accent1">
+              <a:shade val="50000"/>
+            </a:schemeClr>
+          </a:lnRef>
+          <a:fillRef idx="1">
+            <a:schemeClr val="accent1"/>
+          </a:fillRef>
+          <a:effectRef idx="0">
+            <a:schemeClr val="accent1"/>
+          </a:effectRef>
+          <a:fontRef idx="minor">
+            <a:schemeClr val="lt1"/>
+          </a:fontRef>
+        </p:style>
+        <p:txBody>
+          <a:bodyPr rtlCol="0" anchor="ctr"/>
+          <a:lstStyle/>
+          <a:p>
+            <a:pPr algn="ctr"/>
+            <a:r>
+              <a:rPr lang="en-US" sz="2600" dirty="0" smtClean="0">
+                <a:solidFill>
+                  <a:schemeClr val="tx1"/>
+                </a:solidFill>
+              </a:rPr>
+              <a:t>x</a:t>
+            </a:r>
+            <a:r>
+              <a:rPr lang="en-US" sz="2600" baseline="-25000" dirty="0" smtClean="0">
+                <a:solidFill>
+                  <a:schemeClr val="tx1"/>
+                </a:solidFill>
+              </a:rPr>
+              <a:t>1</a:t>
+            </a:r>
+            <a:endParaRPr lang="en-US" sz="2600" dirty="0">
+              <a:solidFill>
+                <a:schemeClr val="tx1"/>
+              </a:solidFill>
+            </a:endParaRPr>
+          </a:p>
+        </p:txBody>
+      </p:sp>
+      <p:cxnSp>
+        <p:nvCxnSpPr>
+          <p:cNvPr id="27" name="Straight Arrow Connector 26"/>
+          <p:cNvCxnSpPr>
+            <a:stCxn id="8" idx="4"/>
+            <a:endCxn id="9" idx="0"/>
+          </p:cNvCxnSpPr>
+          <p:nvPr/>
+        </p:nvCxnSpPr>
+        <p:spPr>
+          <a:xfrm>
+            <a:off x="3113386" y="1424762"/>
+            <a:ext cx="0" cy="1039479"/>
+          </a:xfrm>
+          <a:prstGeom prst="straightConnector1">
+            <a:avLst/>
+          </a:prstGeom>
+          <a:ln w="31750">
+            <a:solidFill>
+              <a:schemeClr val="tx1"/>
+            </a:solidFill>
+            <a:prstDash val="solid"/>
+            <a:tailEnd type="none" w="lg" len="lg"/>
+          </a:ln>
+        </p:spPr>
+        <p:style>
+          <a:lnRef idx="1">
+            <a:schemeClr val="accent1"/>
+          </a:lnRef>
+          <a:fillRef idx="0">
+            <a:schemeClr val="accent1"/>
+          </a:fillRef>
+          <a:effectRef idx="0">
+            <a:schemeClr val="accent1"/>
+          </a:effectRef>
+          <a:fontRef idx="minor">
+            <a:schemeClr val="tx1"/>
+          </a:fontRef>
+        </p:style>
+      </p:cxnSp>
+      <p:sp>
+        <p:nvSpPr>
+          <p:cNvPr id="9" name="Oval 8"/>
+          <p:cNvSpPr/>
+          <p:nvPr/>
+        </p:nvSpPr>
+        <p:spPr>
+          <a:xfrm>
+            <a:off x="2800882" y="2464241"/>
+            <a:ext cx="625008" cy="625008"/>
+          </a:xfrm>
+          <a:prstGeom prst="ellipse">
+            <a:avLst/>
+          </a:prstGeom>
+          <a:noFill/>
+          <a:ln w="25400">
+            <a:solidFill>
+              <a:schemeClr val="tx1"/>
+            </a:solidFill>
+          </a:ln>
+        </p:spPr>
+        <p:style>
+          <a:lnRef idx="2">
+            <a:schemeClr val="accent1">
+              <a:shade val="50000"/>
+            </a:schemeClr>
+          </a:lnRef>
+          <a:fillRef idx="1">
+            <a:schemeClr val="accent1"/>
+          </a:fillRef>
+          <a:effectRef idx="0">
+            <a:schemeClr val="accent1"/>
+          </a:effectRef>
+          <a:fontRef idx="minor">
+            <a:schemeClr val="lt1"/>
+          </a:fontRef>
+        </p:style>
+        <p:txBody>
+          <a:bodyPr rtlCol="0" anchor="ctr"/>
+          <a:lstStyle/>
+          <a:p>
+            <a:pPr algn="ctr"/>
+            <a:r>
+              <a:rPr lang="en-US" sz="2600" dirty="0" smtClean="0">
+                <a:solidFill>
+                  <a:schemeClr val="tx1"/>
+                </a:solidFill>
+              </a:rPr>
+              <a:t>x</a:t>
+            </a:r>
+            <a:r>
+              <a:rPr lang="en-US" sz="2600" baseline="-25000" dirty="0">
+                <a:solidFill>
+                  <a:schemeClr val="tx1"/>
+                </a:solidFill>
+              </a:rPr>
+              <a:t>4</a:t>
+            </a:r>
+            <a:endParaRPr lang="en-US" sz="2600" dirty="0">
+              <a:solidFill>
+                <a:schemeClr val="tx1"/>
+              </a:solidFill>
+            </a:endParaRPr>
+          </a:p>
+        </p:txBody>
+      </p:sp>
+      <p:sp>
+        <p:nvSpPr>
+          <p:cNvPr id="10" name="Oval 9"/>
+          <p:cNvSpPr/>
+          <p:nvPr/>
+        </p:nvSpPr>
+        <p:spPr>
+          <a:xfrm>
+            <a:off x="4548166" y="799754"/>
+            <a:ext cx="625008" cy="625008"/>
+          </a:xfrm>
+          <a:prstGeom prst="ellipse">
+            <a:avLst/>
+          </a:prstGeom>
+          <a:noFill/>
+          <a:ln w="25400">
+            <a:solidFill>
+              <a:schemeClr val="tx1"/>
+            </a:solidFill>
+          </a:ln>
+        </p:spPr>
+        <p:style>
+          <a:lnRef idx="2">
+            <a:schemeClr val="accent1">
+              <a:shade val="50000"/>
+            </a:schemeClr>
+          </a:lnRef>
+          <a:fillRef idx="1">
+            <a:schemeClr val="accent1"/>
+          </a:fillRef>
+          <a:effectRef idx="0">
+            <a:schemeClr val="accent1"/>
+          </a:effectRef>
+          <a:fontRef idx="minor">
+            <a:schemeClr val="lt1"/>
+          </a:fontRef>
+        </p:style>
+        <p:txBody>
+          <a:bodyPr rtlCol="0" anchor="ctr"/>
+          <a:lstStyle/>
+          <a:p>
+            <a:pPr algn="ctr"/>
+            <a:r>
+              <a:rPr lang="en-US" sz="2600" dirty="0" smtClean="0">
+                <a:solidFill>
+                  <a:schemeClr val="tx1"/>
+                </a:solidFill>
+              </a:rPr>
+              <a:t>x</a:t>
+            </a:r>
+            <a:r>
+              <a:rPr lang="en-US" sz="2600" baseline="-25000" dirty="0">
+                <a:solidFill>
+                  <a:schemeClr val="tx1"/>
+                </a:solidFill>
+              </a:rPr>
+              <a:t>2</a:t>
+            </a:r>
+            <a:endParaRPr lang="en-US" sz="2600" dirty="0">
+              <a:solidFill>
+                <a:schemeClr val="tx1"/>
+              </a:solidFill>
+            </a:endParaRPr>
+          </a:p>
+        </p:txBody>
+      </p:sp>
+      <p:sp>
+        <p:nvSpPr>
+          <p:cNvPr id="12" name="Oval 11"/>
+          <p:cNvSpPr/>
+          <p:nvPr/>
+        </p:nvSpPr>
+        <p:spPr>
+          <a:xfrm>
+            <a:off x="4548166" y="2464241"/>
+            <a:ext cx="625008" cy="625008"/>
+          </a:xfrm>
+          <a:prstGeom prst="ellipse">
+            <a:avLst/>
+          </a:prstGeom>
+          <a:noFill/>
+          <a:ln w="25400">
+            <a:solidFill>
+              <a:schemeClr val="tx1"/>
+            </a:solidFill>
+          </a:ln>
+        </p:spPr>
+        <p:style>
+          <a:lnRef idx="2">
+            <a:schemeClr val="accent1">
+              <a:shade val="50000"/>
+            </a:schemeClr>
+          </a:lnRef>
+          <a:fillRef idx="1">
+            <a:schemeClr val="accent1"/>
+          </a:fillRef>
+          <a:effectRef idx="0">
+            <a:schemeClr val="accent1"/>
+          </a:effectRef>
+          <a:fontRef idx="minor">
+            <a:schemeClr val="lt1"/>
+          </a:fontRef>
+        </p:style>
+        <p:txBody>
+          <a:bodyPr rtlCol="0" anchor="ctr"/>
+          <a:lstStyle/>
+          <a:p>
+            <a:pPr algn="ctr"/>
+            <a:r>
+              <a:rPr lang="en-US" sz="2600" dirty="0" smtClean="0">
+                <a:solidFill>
+                  <a:schemeClr val="tx1"/>
+                </a:solidFill>
+              </a:rPr>
+              <a:t>x</a:t>
+            </a:r>
+            <a:r>
+              <a:rPr lang="en-US" sz="2600" baseline="-25000" dirty="0">
+                <a:solidFill>
+                  <a:schemeClr val="tx1"/>
+                </a:solidFill>
+              </a:rPr>
+              <a:t>5</a:t>
+            </a:r>
+            <a:endParaRPr lang="en-US" sz="2600" dirty="0">
+              <a:solidFill>
+                <a:schemeClr val="tx1"/>
+              </a:solidFill>
+            </a:endParaRPr>
+          </a:p>
+        </p:txBody>
+      </p:sp>
+      <p:cxnSp>
+        <p:nvCxnSpPr>
+          <p:cNvPr id="14" name="Straight Arrow Connector 13"/>
+          <p:cNvCxnSpPr>
+            <a:stCxn id="10" idx="4"/>
+            <a:endCxn id="12" idx="0"/>
+          </p:cNvCxnSpPr>
+          <p:nvPr/>
+        </p:nvCxnSpPr>
+        <p:spPr>
+          <a:xfrm>
+            <a:off x="4860670" y="1424762"/>
+            <a:ext cx="0" cy="1039479"/>
+          </a:xfrm>
+          <a:prstGeom prst="straightConnector1">
+            <a:avLst/>
+          </a:prstGeom>
+          <a:ln w="31750">
+            <a:solidFill>
+              <a:schemeClr val="tx1"/>
+            </a:solidFill>
+            <a:prstDash val="solid"/>
+            <a:tailEnd type="none" w="lg" len="lg"/>
+          </a:ln>
+        </p:spPr>
+        <p:style>
+          <a:lnRef idx="1">
+            <a:schemeClr val="accent1"/>
+          </a:lnRef>
+          <a:fillRef idx="0">
+            <a:schemeClr val="accent1"/>
+          </a:fillRef>
+          <a:effectRef idx="0">
+            <a:schemeClr val="accent1"/>
+          </a:effectRef>
+          <a:fontRef idx="minor">
+            <a:schemeClr val="tx1"/>
+          </a:fontRef>
+        </p:style>
+      </p:cxnSp>
+      <p:cxnSp>
+        <p:nvCxnSpPr>
+          <p:cNvPr id="11" name="Straight Arrow Connector 10"/>
+          <p:cNvCxnSpPr>
+            <a:stCxn id="8" idx="6"/>
+            <a:endCxn id="10" idx="2"/>
+          </p:cNvCxnSpPr>
+          <p:nvPr/>
+        </p:nvCxnSpPr>
+        <p:spPr>
+          <a:xfrm>
+            <a:off x="3425890" y="1112258"/>
+            <a:ext cx="1122276" cy="0"/>
+          </a:xfrm>
+          <a:prstGeom prst="straightConnector1">
+            <a:avLst/>
+          </a:prstGeom>
+          <a:ln w="31750">
+            <a:solidFill>
+              <a:schemeClr val="tx1"/>
+            </a:solidFill>
+            <a:prstDash val="solid"/>
+            <a:tailEnd type="none" w="lg" len="lg"/>
+          </a:ln>
+        </p:spPr>
+        <p:style>
+          <a:lnRef idx="1">
+            <a:schemeClr val="accent1"/>
+          </a:lnRef>
+          <a:fillRef idx="0">
+            <a:schemeClr val="accent1"/>
+          </a:fillRef>
+          <a:effectRef idx="0">
+            <a:schemeClr val="accent1"/>
+          </a:effectRef>
+          <a:fontRef idx="minor">
+            <a:schemeClr val="tx1"/>
+          </a:fontRef>
+        </p:style>
+      </p:cxnSp>
+      <p:cxnSp>
+        <p:nvCxnSpPr>
+          <p:cNvPr id="13" name="Straight Arrow Connector 12"/>
+          <p:cNvCxnSpPr>
+            <a:stCxn id="9" idx="6"/>
+            <a:endCxn id="12" idx="2"/>
+          </p:cNvCxnSpPr>
+          <p:nvPr/>
+        </p:nvCxnSpPr>
+        <p:spPr>
+          <a:xfrm>
+            <a:off x="3425890" y="2776745"/>
+            <a:ext cx="1122276" cy="0"/>
+          </a:xfrm>
+          <a:prstGeom prst="straightConnector1">
+            <a:avLst/>
+          </a:prstGeom>
+          <a:ln w="31750">
+            <a:solidFill>
+              <a:schemeClr val="tx1"/>
+            </a:solidFill>
+            <a:prstDash val="solid"/>
+            <a:tailEnd type="none" w="lg" len="lg"/>
+          </a:ln>
+        </p:spPr>
+        <p:style>
+          <a:lnRef idx="1">
+            <a:schemeClr val="accent1"/>
+          </a:lnRef>
+          <a:fillRef idx="0">
+            <a:schemeClr val="accent1"/>
+          </a:fillRef>
+          <a:effectRef idx="0">
+            <a:schemeClr val="accent1"/>
+          </a:effectRef>
+          <a:fontRef idx="minor">
+            <a:schemeClr val="tx1"/>
+          </a:fontRef>
+        </p:style>
+      </p:cxnSp>
+      <p:sp>
+        <p:nvSpPr>
+          <p:cNvPr id="15" name="Oval 14"/>
+          <p:cNvSpPr/>
+          <p:nvPr/>
+        </p:nvSpPr>
+        <p:spPr>
+          <a:xfrm>
+            <a:off x="6295450" y="799754"/>
+            <a:ext cx="625008" cy="625008"/>
+          </a:xfrm>
+          <a:prstGeom prst="ellipse">
+            <a:avLst/>
+          </a:prstGeom>
+          <a:noFill/>
+          <a:ln w="25400">
+            <a:solidFill>
+              <a:schemeClr val="tx1"/>
+            </a:solidFill>
+          </a:ln>
+        </p:spPr>
+        <p:style>
+          <a:lnRef idx="2">
+            <a:schemeClr val="accent1">
+              <a:shade val="50000"/>
+            </a:schemeClr>
+          </a:lnRef>
+          <a:fillRef idx="1">
+            <a:schemeClr val="accent1"/>
+          </a:fillRef>
+          <a:effectRef idx="0">
+            <a:schemeClr val="accent1"/>
+          </a:effectRef>
+          <a:fontRef idx="minor">
+            <a:schemeClr val="lt1"/>
+          </a:fontRef>
+        </p:style>
+        <p:txBody>
+          <a:bodyPr rtlCol="0" anchor="ctr"/>
+          <a:lstStyle/>
+          <a:p>
+            <a:pPr algn="ctr"/>
+            <a:r>
+              <a:rPr lang="en-US" sz="2600" dirty="0" smtClean="0">
+                <a:solidFill>
+                  <a:schemeClr val="tx1"/>
+                </a:solidFill>
+              </a:rPr>
+              <a:t>x</a:t>
+            </a:r>
+            <a:r>
+              <a:rPr lang="en-US" sz="2600" baseline="-25000" dirty="0">
+                <a:solidFill>
+                  <a:schemeClr val="tx1"/>
+                </a:solidFill>
+              </a:rPr>
+              <a:t>3</a:t>
+            </a:r>
+            <a:endParaRPr lang="en-US" sz="2600" dirty="0">
+              <a:solidFill>
+                <a:schemeClr val="tx1"/>
+              </a:solidFill>
+            </a:endParaRPr>
+          </a:p>
+        </p:txBody>
+      </p:sp>
+      <p:sp>
+        <p:nvSpPr>
+          <p:cNvPr id="16" name="Oval 15"/>
+          <p:cNvSpPr/>
+          <p:nvPr/>
+        </p:nvSpPr>
+        <p:spPr>
+          <a:xfrm>
+            <a:off x="6295450" y="2464241"/>
+            <a:ext cx="625008" cy="625008"/>
+          </a:xfrm>
+          <a:prstGeom prst="ellipse">
+            <a:avLst/>
+          </a:prstGeom>
+          <a:noFill/>
+          <a:ln w="25400">
+            <a:solidFill>
+              <a:schemeClr val="tx1"/>
+            </a:solidFill>
+          </a:ln>
+        </p:spPr>
+        <p:style>
+          <a:lnRef idx="2">
+            <a:schemeClr val="accent1">
+              <a:shade val="50000"/>
+            </a:schemeClr>
+          </a:lnRef>
+          <a:fillRef idx="1">
+            <a:schemeClr val="accent1"/>
+          </a:fillRef>
+          <a:effectRef idx="0">
+            <a:schemeClr val="accent1"/>
+          </a:effectRef>
+          <a:fontRef idx="minor">
+            <a:schemeClr val="lt1"/>
+          </a:fontRef>
+        </p:style>
+        <p:txBody>
+          <a:bodyPr rtlCol="0" anchor="ctr"/>
+          <a:lstStyle/>
+          <a:p>
+            <a:pPr algn="ctr"/>
+            <a:r>
+              <a:rPr lang="en-US" sz="2600" dirty="0" smtClean="0">
+                <a:solidFill>
+                  <a:schemeClr val="tx1"/>
+                </a:solidFill>
+              </a:rPr>
+              <a:t>x</a:t>
+            </a:r>
+            <a:r>
+              <a:rPr lang="en-US" sz="2600" baseline="-25000" dirty="0">
+                <a:solidFill>
+                  <a:schemeClr val="tx1"/>
+                </a:solidFill>
+              </a:rPr>
+              <a:t>6</a:t>
+            </a:r>
+            <a:endParaRPr lang="en-US" sz="2600" dirty="0">
+              <a:solidFill>
+                <a:schemeClr val="tx1"/>
+              </a:solidFill>
+            </a:endParaRPr>
+          </a:p>
+        </p:txBody>
+      </p:sp>
+      <p:cxnSp>
+        <p:nvCxnSpPr>
+          <p:cNvPr id="17" name="Straight Arrow Connector 16"/>
+          <p:cNvCxnSpPr/>
+          <p:nvPr/>
+        </p:nvCxnSpPr>
+        <p:spPr>
+          <a:xfrm>
+            <a:off x="6607954" y="1424762"/>
+            <a:ext cx="0" cy="1039479"/>
+          </a:xfrm>
+          <a:prstGeom prst="straightConnector1">
+            <a:avLst/>
+          </a:prstGeom>
+          <a:ln w="31750">
+            <a:solidFill>
+              <a:schemeClr val="tx1"/>
+            </a:solidFill>
+            <a:prstDash val="solid"/>
+            <a:tailEnd type="none" w="lg" len="lg"/>
+          </a:ln>
+        </p:spPr>
+        <p:style>
+          <a:lnRef idx="1">
+            <a:schemeClr val="accent1"/>
+          </a:lnRef>
+          <a:fillRef idx="0">
+            <a:schemeClr val="accent1"/>
+          </a:fillRef>
+          <a:effectRef idx="0">
+            <a:schemeClr val="accent1"/>
+          </a:effectRef>
+          <a:fontRef idx="minor">
+            <a:schemeClr val="tx1"/>
+          </a:fontRef>
+        </p:style>
+      </p:cxnSp>
+      <p:sp>
+        <p:nvSpPr>
+          <p:cNvPr id="18" name="Oval 17"/>
+          <p:cNvSpPr/>
+          <p:nvPr/>
+        </p:nvSpPr>
+        <p:spPr>
+          <a:xfrm>
+            <a:off x="2800882" y="4128727"/>
+            <a:ext cx="625008" cy="625008"/>
+          </a:xfrm>
+          <a:prstGeom prst="ellipse">
+            <a:avLst/>
+          </a:prstGeom>
+          <a:noFill/>
+          <a:ln w="25400">
+            <a:solidFill>
+              <a:schemeClr val="tx1"/>
+            </a:solidFill>
+          </a:ln>
+        </p:spPr>
+        <p:style>
+          <a:lnRef idx="2">
+            <a:schemeClr val="accent1">
+              <a:shade val="50000"/>
+            </a:schemeClr>
+          </a:lnRef>
+          <a:fillRef idx="1">
+            <a:schemeClr val="accent1"/>
+          </a:fillRef>
+          <a:effectRef idx="0">
+            <a:schemeClr val="accent1"/>
+          </a:effectRef>
+          <a:fontRef idx="minor">
+            <a:schemeClr val="lt1"/>
+          </a:fontRef>
+        </p:style>
+        <p:txBody>
+          <a:bodyPr rtlCol="0" anchor="ctr"/>
+          <a:lstStyle/>
+          <a:p>
+            <a:pPr algn="ctr"/>
+            <a:r>
+              <a:rPr lang="en-US" sz="2600" dirty="0" smtClean="0">
+                <a:solidFill>
+                  <a:schemeClr val="tx1"/>
+                </a:solidFill>
+              </a:rPr>
+              <a:t>x</a:t>
+            </a:r>
+            <a:r>
+              <a:rPr lang="en-US" sz="2600" baseline="-25000" dirty="0">
+                <a:solidFill>
+                  <a:schemeClr val="tx1"/>
+                </a:solidFill>
+              </a:rPr>
+              <a:t>7</a:t>
+            </a:r>
+            <a:endParaRPr lang="en-US" sz="2600" dirty="0">
+              <a:solidFill>
+                <a:schemeClr val="tx1"/>
+              </a:solidFill>
+            </a:endParaRPr>
+          </a:p>
+        </p:txBody>
+      </p:sp>
+      <p:sp>
+        <p:nvSpPr>
+          <p:cNvPr id="19" name="Oval 18"/>
+          <p:cNvSpPr/>
+          <p:nvPr/>
+        </p:nvSpPr>
+        <p:spPr>
+          <a:xfrm>
+            <a:off x="4548166" y="4128727"/>
+            <a:ext cx="625008" cy="625008"/>
+          </a:xfrm>
+          <a:prstGeom prst="ellipse">
+            <a:avLst/>
+          </a:prstGeom>
+          <a:noFill/>
+          <a:ln w="25400">
+            <a:solidFill>
+              <a:schemeClr val="tx1"/>
+            </a:solidFill>
+          </a:ln>
+        </p:spPr>
+        <p:style>
+          <a:lnRef idx="2">
+            <a:schemeClr val="accent1">
+              <a:shade val="50000"/>
+            </a:schemeClr>
+          </a:lnRef>
+          <a:fillRef idx="1">
+            <a:schemeClr val="accent1"/>
+          </a:fillRef>
+          <a:effectRef idx="0">
+            <a:schemeClr val="accent1"/>
+          </a:effectRef>
+          <a:fontRef idx="minor">
+            <a:schemeClr val="lt1"/>
+          </a:fontRef>
+        </p:style>
+        <p:txBody>
+          <a:bodyPr rtlCol="0" anchor="ctr"/>
+          <a:lstStyle/>
+          <a:p>
+            <a:pPr algn="ctr"/>
+            <a:r>
+              <a:rPr lang="en-US" sz="2600" dirty="0" smtClean="0">
+                <a:solidFill>
+                  <a:schemeClr val="tx1"/>
+                </a:solidFill>
+              </a:rPr>
+              <a:t>x</a:t>
+            </a:r>
+            <a:r>
+              <a:rPr lang="en-US" sz="2600" baseline="-25000" dirty="0">
+                <a:solidFill>
+                  <a:schemeClr val="tx1"/>
+                </a:solidFill>
+              </a:rPr>
+              <a:t>8</a:t>
+            </a:r>
+            <a:endParaRPr lang="en-US" sz="2600" dirty="0">
+              <a:solidFill>
+                <a:schemeClr val="tx1"/>
+              </a:solidFill>
+            </a:endParaRPr>
+          </a:p>
+        </p:txBody>
+      </p:sp>
+      <p:cxnSp>
+        <p:nvCxnSpPr>
+          <p:cNvPr id="20" name="Straight Arrow Connector 19"/>
+          <p:cNvCxnSpPr/>
+          <p:nvPr/>
+        </p:nvCxnSpPr>
+        <p:spPr>
+          <a:xfrm>
+            <a:off x="3425890" y="4441231"/>
+            <a:ext cx="1122276" cy="0"/>
+          </a:xfrm>
+          <a:prstGeom prst="straightConnector1">
+            <a:avLst/>
+          </a:prstGeom>
+          <a:ln w="31750">
+            <a:solidFill>
+              <a:schemeClr val="tx1"/>
+            </a:solidFill>
+            <a:prstDash val="solid"/>
+            <a:tailEnd type="none" w="lg" len="lg"/>
+          </a:ln>
+        </p:spPr>
+        <p:style>
+          <a:lnRef idx="1">
+            <a:schemeClr val="accent1"/>
+          </a:lnRef>
+          <a:fillRef idx="0">
+            <a:schemeClr val="accent1"/>
+          </a:fillRef>
+          <a:effectRef idx="0">
+            <a:schemeClr val="accent1"/>
+          </a:effectRef>
+          <a:fontRef idx="minor">
+            <a:schemeClr val="tx1"/>
+          </a:fontRef>
+        </p:style>
+      </p:cxnSp>
+      <p:sp>
+        <p:nvSpPr>
+          <p:cNvPr id="21" name="Oval 20"/>
+          <p:cNvSpPr/>
+          <p:nvPr/>
+        </p:nvSpPr>
+        <p:spPr>
+          <a:xfrm>
+            <a:off x="6295450" y="4128727"/>
+            <a:ext cx="625008" cy="625008"/>
+          </a:xfrm>
+          <a:prstGeom prst="ellipse">
+            <a:avLst/>
+          </a:prstGeom>
+          <a:noFill/>
+          <a:ln w="25400">
+            <a:solidFill>
+              <a:schemeClr val="tx1"/>
+            </a:solidFill>
+          </a:ln>
+        </p:spPr>
+        <p:style>
+          <a:lnRef idx="2">
+            <a:schemeClr val="accent1">
+              <a:shade val="50000"/>
+            </a:schemeClr>
+          </a:lnRef>
+          <a:fillRef idx="1">
+            <a:schemeClr val="accent1"/>
+          </a:fillRef>
+          <a:effectRef idx="0">
+            <a:schemeClr val="accent1"/>
+          </a:effectRef>
+          <a:fontRef idx="minor">
+            <a:schemeClr val="lt1"/>
+          </a:fontRef>
+        </p:style>
+        <p:txBody>
+          <a:bodyPr rtlCol="0" anchor="ctr"/>
+          <a:lstStyle/>
+          <a:p>
+            <a:pPr algn="ctr"/>
+            <a:r>
+              <a:rPr lang="en-US" sz="2600" dirty="0" smtClean="0">
+                <a:solidFill>
+                  <a:schemeClr val="tx1"/>
+                </a:solidFill>
+              </a:rPr>
+              <a:t>x</a:t>
+            </a:r>
+            <a:r>
+              <a:rPr lang="en-US" sz="2600" baseline="-25000" dirty="0">
+                <a:solidFill>
+                  <a:schemeClr val="tx1"/>
+                </a:solidFill>
+              </a:rPr>
+              <a:t>9</a:t>
+            </a:r>
+            <a:endParaRPr lang="en-US" sz="2600" dirty="0">
+              <a:solidFill>
+                <a:schemeClr val="tx1"/>
+              </a:solidFill>
+            </a:endParaRPr>
+          </a:p>
+        </p:txBody>
+      </p:sp>
+      <p:cxnSp>
+        <p:nvCxnSpPr>
+          <p:cNvPr id="22" name="Straight Arrow Connector 21"/>
+          <p:cNvCxnSpPr>
+            <a:stCxn id="9" idx="4"/>
+            <a:endCxn id="18" idx="0"/>
+          </p:cNvCxnSpPr>
+          <p:nvPr/>
+        </p:nvCxnSpPr>
+        <p:spPr>
+          <a:xfrm>
+            <a:off x="3113386" y="3089249"/>
+            <a:ext cx="0" cy="1039478"/>
+          </a:xfrm>
+          <a:prstGeom prst="straightConnector1">
+            <a:avLst/>
+          </a:prstGeom>
+          <a:ln w="31750">
+            <a:solidFill>
+              <a:schemeClr val="tx1"/>
+            </a:solidFill>
+            <a:prstDash val="solid"/>
+            <a:tailEnd type="none" w="lg" len="lg"/>
+          </a:ln>
+        </p:spPr>
+        <p:style>
+          <a:lnRef idx="1">
+            <a:schemeClr val="accent1"/>
+          </a:lnRef>
+          <a:fillRef idx="0">
+            <a:schemeClr val="accent1"/>
+          </a:fillRef>
+          <a:effectRef idx="0">
+            <a:schemeClr val="accent1"/>
+          </a:effectRef>
+          <a:fontRef idx="minor">
+            <a:schemeClr val="tx1"/>
+          </a:fontRef>
+        </p:style>
+      </p:cxnSp>
+      <p:cxnSp>
+        <p:nvCxnSpPr>
+          <p:cNvPr id="23" name="Straight Arrow Connector 22"/>
+          <p:cNvCxnSpPr>
+            <a:stCxn id="12" idx="4"/>
+            <a:endCxn id="19" idx="0"/>
+          </p:cNvCxnSpPr>
+          <p:nvPr/>
+        </p:nvCxnSpPr>
+        <p:spPr>
+          <a:xfrm>
+            <a:off x="4860670" y="3089249"/>
+            <a:ext cx="0" cy="1039478"/>
+          </a:xfrm>
+          <a:prstGeom prst="straightConnector1">
+            <a:avLst/>
+          </a:prstGeom>
+          <a:ln w="31750">
+            <a:solidFill>
+              <a:schemeClr val="tx1"/>
+            </a:solidFill>
+            <a:prstDash val="solid"/>
+            <a:tailEnd type="none" w="lg" len="lg"/>
+          </a:ln>
+        </p:spPr>
+        <p:style>
+          <a:lnRef idx="1">
+            <a:schemeClr val="accent1"/>
+          </a:lnRef>
+          <a:fillRef idx="0">
+            <a:schemeClr val="accent1"/>
+          </a:fillRef>
+          <a:effectRef idx="0">
+            <a:schemeClr val="accent1"/>
+          </a:effectRef>
+          <a:fontRef idx="minor">
+            <a:schemeClr val="tx1"/>
+          </a:fontRef>
+        </p:style>
+      </p:cxnSp>
+      <p:cxnSp>
+        <p:nvCxnSpPr>
+          <p:cNvPr id="24" name="Straight Arrow Connector 23"/>
+          <p:cNvCxnSpPr>
+            <a:stCxn id="16" idx="4"/>
+            <a:endCxn id="21" idx="0"/>
+          </p:cNvCxnSpPr>
+          <p:nvPr/>
+        </p:nvCxnSpPr>
+        <p:spPr>
+          <a:xfrm>
+            <a:off x="6607954" y="3089249"/>
+            <a:ext cx="0" cy="1039478"/>
+          </a:xfrm>
+          <a:prstGeom prst="straightConnector1">
+            <a:avLst/>
+          </a:prstGeom>
+          <a:ln w="31750">
+            <a:solidFill>
+              <a:schemeClr val="tx1"/>
+            </a:solidFill>
+            <a:prstDash val="solid"/>
+            <a:tailEnd type="none" w="lg" len="lg"/>
+          </a:ln>
+        </p:spPr>
+        <p:style>
+          <a:lnRef idx="1">
+            <a:schemeClr val="accent1"/>
+          </a:lnRef>
+          <a:fillRef idx="0">
+            <a:schemeClr val="accent1"/>
+          </a:fillRef>
+          <a:effectRef idx="0">
+            <a:schemeClr val="accent1"/>
+          </a:effectRef>
+          <a:fontRef idx="minor">
+            <a:schemeClr val="tx1"/>
+          </a:fontRef>
+        </p:style>
+      </p:cxnSp>
+      <p:cxnSp>
+        <p:nvCxnSpPr>
+          <p:cNvPr id="26" name="Straight Arrow Connector 25"/>
+          <p:cNvCxnSpPr>
+            <a:stCxn id="19" idx="6"/>
+            <a:endCxn id="21" idx="2"/>
+          </p:cNvCxnSpPr>
+          <p:nvPr/>
+        </p:nvCxnSpPr>
+        <p:spPr>
+          <a:xfrm>
+            <a:off x="5173174" y="4441231"/>
+            <a:ext cx="1122276" cy="0"/>
+          </a:xfrm>
+          <a:prstGeom prst="straightConnector1">
+            <a:avLst/>
+          </a:prstGeom>
+          <a:ln w="31750">
+            <a:solidFill>
+              <a:schemeClr val="tx1"/>
+            </a:solidFill>
+            <a:prstDash val="solid"/>
+            <a:tailEnd type="none" w="lg" len="lg"/>
+          </a:ln>
+        </p:spPr>
+        <p:style>
+          <a:lnRef idx="1">
+            <a:schemeClr val="accent1"/>
+          </a:lnRef>
+          <a:fillRef idx="0">
+            <a:schemeClr val="accent1"/>
+          </a:fillRef>
+          <a:effectRef idx="0">
+            <a:schemeClr val="accent1"/>
+          </a:effectRef>
+          <a:fontRef idx="minor">
+            <a:schemeClr val="tx1"/>
+          </a:fontRef>
+        </p:style>
+      </p:cxnSp>
+      <p:cxnSp>
+        <p:nvCxnSpPr>
+          <p:cNvPr id="30" name="Straight Arrow Connector 29"/>
+          <p:cNvCxnSpPr>
+            <a:stCxn id="12" idx="6"/>
+            <a:endCxn id="16" idx="2"/>
+          </p:cNvCxnSpPr>
+          <p:nvPr/>
+        </p:nvCxnSpPr>
+        <p:spPr>
+          <a:xfrm>
+            <a:off x="5173174" y="2776745"/>
+            <a:ext cx="1122276" cy="0"/>
+          </a:xfrm>
+          <a:prstGeom prst="straightConnector1">
+            <a:avLst/>
+          </a:prstGeom>
+          <a:ln w="31750">
+            <a:solidFill>
+              <a:schemeClr val="tx1"/>
+            </a:solidFill>
+            <a:prstDash val="solid"/>
+            <a:tailEnd type="none" w="lg" len="lg"/>
+          </a:ln>
+        </p:spPr>
+        <p:style>
+          <a:lnRef idx="1">
+            <a:schemeClr val="accent1"/>
+          </a:lnRef>
+          <a:fillRef idx="0">
+            <a:schemeClr val="accent1"/>
+          </a:fillRef>
+          <a:effectRef idx="0">
+            <a:schemeClr val="accent1"/>
+          </a:effectRef>
+          <a:fontRef idx="minor">
+            <a:schemeClr val="tx1"/>
+          </a:fontRef>
+        </p:style>
+      </p:cxnSp>
+      <p:cxnSp>
+        <p:nvCxnSpPr>
+          <p:cNvPr id="33" name="Straight Arrow Connector 32"/>
+          <p:cNvCxnSpPr>
+            <a:stCxn id="10" idx="6"/>
+            <a:endCxn id="15" idx="2"/>
+          </p:cNvCxnSpPr>
+          <p:nvPr/>
+        </p:nvCxnSpPr>
+        <p:spPr>
+          <a:xfrm>
+            <a:off x="5173174" y="1112258"/>
+            <a:ext cx="1122276" cy="0"/>
+          </a:xfrm>
+          <a:prstGeom prst="straightConnector1">
+            <a:avLst/>
+          </a:prstGeom>
+          <a:ln w="31750">
+            <a:solidFill>
+              <a:schemeClr val="tx1"/>
+            </a:solidFill>
+            <a:prstDash val="solid"/>
+            <a:tailEnd type="none" w="lg" len="lg"/>
+          </a:ln>
+        </p:spPr>
+        <p:style>
+          <a:lnRef idx="1">
+            <a:schemeClr val="accent1"/>
+          </a:lnRef>
+          <a:fillRef idx="0">
+            <a:schemeClr val="accent1"/>
+          </a:fillRef>
+          <a:effectRef idx="0">
+            <a:schemeClr val="accent1"/>
+          </a:effectRef>
+          <a:fontRef idx="minor">
+            <a:schemeClr val="tx1"/>
+          </a:fontRef>
+        </p:style>
+      </p:cxnSp>
+      <p:sp>
+        <p:nvSpPr>
+          <p:cNvPr id="25" name="Oval 24"/>
+          <p:cNvSpPr/>
+          <p:nvPr/>
+        </p:nvSpPr>
+        <p:spPr>
+          <a:xfrm>
+            <a:off x="2175874" y="1424762"/>
+            <a:ext cx="625008" cy="625008"/>
+          </a:xfrm>
+          <a:prstGeom prst="ellipse">
+            <a:avLst/>
+          </a:prstGeom>
+          <a:solidFill>
+            <a:schemeClr val="bg1">
+              <a:lumMod val="85000"/>
+            </a:schemeClr>
+          </a:solidFill>
+          <a:ln w="25400">
+            <a:solidFill>
+              <a:schemeClr val="tx1"/>
+            </a:solidFill>
+          </a:ln>
+        </p:spPr>
+        <p:style>
+          <a:lnRef idx="2">
+            <a:schemeClr val="accent1">
+              <a:shade val="50000"/>
+            </a:schemeClr>
+          </a:lnRef>
+          <a:fillRef idx="1">
+            <a:schemeClr val="accent1"/>
+          </a:fillRef>
+          <a:effectRef idx="0">
+            <a:schemeClr val="accent1"/>
+          </a:effectRef>
+          <a:fontRef idx="minor">
+            <a:schemeClr val="lt1"/>
+          </a:fontRef>
+        </p:style>
+        <p:txBody>
+          <a:bodyPr rtlCol="0" anchor="ctr"/>
+          <a:lstStyle/>
+          <a:p>
+            <a:pPr algn="ctr"/>
+            <a:r>
+              <a:rPr lang="en-US" sz="2600" dirty="0">
+                <a:solidFill>
+                  <a:schemeClr val="tx1"/>
+                </a:solidFill>
+              </a:rPr>
+              <a:t>z</a:t>
+            </a:r>
+            <a:r>
+              <a:rPr lang="en-US" sz="2600" baseline="-25000" dirty="0" smtClean="0">
+                <a:solidFill>
+                  <a:schemeClr val="tx1"/>
+                </a:solidFill>
+              </a:rPr>
+              <a:t>1</a:t>
+            </a:r>
+            <a:endParaRPr lang="en-US" sz="2600" dirty="0">
+              <a:solidFill>
+                <a:schemeClr val="tx1"/>
+              </a:solidFill>
+            </a:endParaRPr>
+          </a:p>
+        </p:txBody>
+      </p:sp>
+      <p:sp>
+        <p:nvSpPr>
+          <p:cNvPr id="29" name="Oval 28"/>
+          <p:cNvSpPr/>
+          <p:nvPr/>
+        </p:nvSpPr>
+        <p:spPr>
+          <a:xfrm>
+            <a:off x="2175874" y="3089249"/>
+            <a:ext cx="625008" cy="625008"/>
+          </a:xfrm>
+          <a:prstGeom prst="ellipse">
+            <a:avLst/>
+          </a:prstGeom>
+          <a:solidFill>
+            <a:schemeClr val="bg1">
+              <a:lumMod val="85000"/>
+            </a:schemeClr>
+          </a:solidFill>
+          <a:ln w="25400">
+            <a:solidFill>
+              <a:schemeClr val="tx1"/>
+            </a:solidFill>
+          </a:ln>
+        </p:spPr>
+        <p:style>
+          <a:lnRef idx="2">
+            <a:schemeClr val="accent1">
+              <a:shade val="50000"/>
+            </a:schemeClr>
+          </a:lnRef>
+          <a:fillRef idx="1">
+            <a:schemeClr val="accent1"/>
+          </a:fillRef>
+          <a:effectRef idx="0">
+            <a:schemeClr val="accent1"/>
+          </a:effectRef>
+          <a:fontRef idx="minor">
+            <a:schemeClr val="lt1"/>
+          </a:fontRef>
+        </p:style>
+        <p:txBody>
+          <a:bodyPr rtlCol="0" anchor="ctr"/>
+          <a:lstStyle/>
+          <a:p>
+            <a:pPr algn="ctr"/>
+            <a:r>
+              <a:rPr lang="en-US" sz="2600" dirty="0">
+                <a:solidFill>
+                  <a:schemeClr val="tx1"/>
+                </a:solidFill>
+              </a:rPr>
+              <a:t>z</a:t>
+            </a:r>
+            <a:r>
+              <a:rPr lang="en-US" sz="2600" baseline="-25000" dirty="0" smtClean="0">
+                <a:solidFill>
+                  <a:schemeClr val="tx1"/>
+                </a:solidFill>
+              </a:rPr>
+              <a:t>4</a:t>
+            </a:r>
+            <a:endParaRPr lang="en-US" sz="2600" dirty="0">
+              <a:solidFill>
+                <a:schemeClr val="tx1"/>
+              </a:solidFill>
+            </a:endParaRPr>
+          </a:p>
+        </p:txBody>
+      </p:sp>
+      <p:sp>
+        <p:nvSpPr>
+          <p:cNvPr id="31" name="Oval 30"/>
+          <p:cNvSpPr/>
+          <p:nvPr/>
+        </p:nvSpPr>
+        <p:spPr>
+          <a:xfrm>
+            <a:off x="3923158" y="1424762"/>
+            <a:ext cx="625008" cy="625008"/>
+          </a:xfrm>
+          <a:prstGeom prst="ellipse">
+            <a:avLst/>
+          </a:prstGeom>
+          <a:solidFill>
+            <a:schemeClr val="bg1">
+              <a:lumMod val="85000"/>
+            </a:schemeClr>
+          </a:solidFill>
+          <a:ln w="25400">
+            <a:solidFill>
+              <a:schemeClr val="tx1"/>
+            </a:solidFill>
+          </a:ln>
+        </p:spPr>
+        <p:style>
+          <a:lnRef idx="2">
+            <a:schemeClr val="accent1">
+              <a:shade val="50000"/>
+            </a:schemeClr>
+          </a:lnRef>
+          <a:fillRef idx="1">
+            <a:schemeClr val="accent1"/>
+          </a:fillRef>
+          <a:effectRef idx="0">
+            <a:schemeClr val="accent1"/>
+          </a:effectRef>
+          <a:fontRef idx="minor">
+            <a:schemeClr val="lt1"/>
+          </a:fontRef>
+        </p:style>
+        <p:txBody>
+          <a:bodyPr rtlCol="0" anchor="ctr"/>
+          <a:lstStyle/>
+          <a:p>
+            <a:pPr algn="ctr"/>
+            <a:r>
+              <a:rPr lang="en-US" sz="2600" dirty="0">
+                <a:solidFill>
+                  <a:schemeClr val="tx1"/>
+                </a:solidFill>
+              </a:rPr>
+              <a:t>z</a:t>
+            </a:r>
+            <a:r>
+              <a:rPr lang="en-US" sz="2600" baseline="-25000" dirty="0" smtClean="0">
+                <a:solidFill>
+                  <a:schemeClr val="tx1"/>
+                </a:solidFill>
+              </a:rPr>
+              <a:t>2</a:t>
+            </a:r>
+            <a:endParaRPr lang="en-US" sz="2600" dirty="0">
+              <a:solidFill>
+                <a:schemeClr val="tx1"/>
+              </a:solidFill>
+            </a:endParaRPr>
+          </a:p>
+        </p:txBody>
+      </p:sp>
+      <p:sp>
+        <p:nvSpPr>
+          <p:cNvPr id="32" name="Oval 31"/>
+          <p:cNvSpPr/>
+          <p:nvPr/>
+        </p:nvSpPr>
+        <p:spPr>
+          <a:xfrm>
+            <a:off x="3923158" y="3089249"/>
+            <a:ext cx="625008" cy="625008"/>
+          </a:xfrm>
+          <a:prstGeom prst="ellipse">
+            <a:avLst/>
+          </a:prstGeom>
+          <a:solidFill>
+            <a:schemeClr val="bg1">
+              <a:lumMod val="85000"/>
+            </a:schemeClr>
+          </a:solidFill>
+          <a:ln w="25400">
+            <a:solidFill>
+              <a:schemeClr val="tx1"/>
+            </a:solidFill>
+          </a:ln>
+        </p:spPr>
+        <p:style>
+          <a:lnRef idx="2">
+            <a:schemeClr val="accent1">
+              <a:shade val="50000"/>
+            </a:schemeClr>
+          </a:lnRef>
+          <a:fillRef idx="1">
+            <a:schemeClr val="accent1"/>
+          </a:fillRef>
+          <a:effectRef idx="0">
+            <a:schemeClr val="accent1"/>
+          </a:effectRef>
+          <a:fontRef idx="minor">
+            <a:schemeClr val="lt1"/>
+          </a:fontRef>
+        </p:style>
+        <p:txBody>
+          <a:bodyPr rtlCol="0" anchor="ctr"/>
+          <a:lstStyle/>
+          <a:p>
+            <a:pPr algn="ctr"/>
+            <a:r>
+              <a:rPr lang="en-US" sz="2600" dirty="0">
+                <a:solidFill>
+                  <a:schemeClr val="tx1"/>
+                </a:solidFill>
+              </a:rPr>
+              <a:t>z</a:t>
+            </a:r>
+            <a:r>
+              <a:rPr lang="en-US" sz="2600" baseline="-25000" dirty="0" smtClean="0">
+                <a:solidFill>
+                  <a:schemeClr val="tx1"/>
+                </a:solidFill>
+              </a:rPr>
+              <a:t>5</a:t>
+            </a:r>
+            <a:endParaRPr lang="en-US" sz="2600" dirty="0">
+              <a:solidFill>
+                <a:schemeClr val="tx1"/>
+              </a:solidFill>
+            </a:endParaRPr>
+          </a:p>
+        </p:txBody>
+      </p:sp>
+      <p:sp>
+        <p:nvSpPr>
+          <p:cNvPr id="37" name="Oval 36"/>
+          <p:cNvSpPr/>
+          <p:nvPr/>
+        </p:nvSpPr>
+        <p:spPr>
+          <a:xfrm>
+            <a:off x="5670442" y="1424762"/>
+            <a:ext cx="625008" cy="625008"/>
+          </a:xfrm>
+          <a:prstGeom prst="ellipse">
+            <a:avLst/>
+          </a:prstGeom>
+          <a:solidFill>
+            <a:schemeClr val="bg1">
+              <a:lumMod val="85000"/>
+            </a:schemeClr>
+          </a:solidFill>
+          <a:ln w="25400">
+            <a:solidFill>
+              <a:schemeClr val="tx1"/>
+            </a:solidFill>
+          </a:ln>
+        </p:spPr>
+        <p:style>
+          <a:lnRef idx="2">
+            <a:schemeClr val="accent1">
+              <a:shade val="50000"/>
+            </a:schemeClr>
+          </a:lnRef>
+          <a:fillRef idx="1">
+            <a:schemeClr val="accent1"/>
+          </a:fillRef>
+          <a:effectRef idx="0">
+            <a:schemeClr val="accent1"/>
+          </a:effectRef>
+          <a:fontRef idx="minor">
+            <a:schemeClr val="lt1"/>
+          </a:fontRef>
+        </p:style>
+        <p:txBody>
+          <a:bodyPr rtlCol="0" anchor="ctr"/>
+          <a:lstStyle/>
+          <a:p>
+            <a:pPr algn="ctr"/>
+            <a:r>
+              <a:rPr lang="en-US" sz="2600" dirty="0">
+                <a:solidFill>
+                  <a:schemeClr val="tx1"/>
+                </a:solidFill>
+              </a:rPr>
+              <a:t>z</a:t>
+            </a:r>
+            <a:r>
+              <a:rPr lang="en-US" sz="2600" baseline="-25000" dirty="0" smtClean="0">
+                <a:solidFill>
+                  <a:schemeClr val="tx1"/>
+                </a:solidFill>
+              </a:rPr>
+              <a:t>3</a:t>
+            </a:r>
+            <a:endParaRPr lang="en-US" sz="2600" dirty="0">
+              <a:solidFill>
+                <a:schemeClr val="tx1"/>
+              </a:solidFill>
+            </a:endParaRPr>
+          </a:p>
+        </p:txBody>
+      </p:sp>
+      <p:sp>
+        <p:nvSpPr>
+          <p:cNvPr id="38" name="Oval 37"/>
+          <p:cNvSpPr/>
+          <p:nvPr/>
+        </p:nvSpPr>
+        <p:spPr>
+          <a:xfrm>
+            <a:off x="5670442" y="3089249"/>
+            <a:ext cx="625008" cy="625008"/>
+          </a:xfrm>
+          <a:prstGeom prst="ellipse">
+            <a:avLst/>
+          </a:prstGeom>
+          <a:solidFill>
+            <a:schemeClr val="bg1">
+              <a:lumMod val="85000"/>
+            </a:schemeClr>
+          </a:solidFill>
+          <a:ln w="25400">
+            <a:solidFill>
+              <a:schemeClr val="tx1"/>
+            </a:solidFill>
+          </a:ln>
+        </p:spPr>
+        <p:style>
+          <a:lnRef idx="2">
+            <a:schemeClr val="accent1">
+              <a:shade val="50000"/>
+            </a:schemeClr>
+          </a:lnRef>
+          <a:fillRef idx="1">
+            <a:schemeClr val="accent1"/>
+          </a:fillRef>
+          <a:effectRef idx="0">
+            <a:schemeClr val="accent1"/>
+          </a:effectRef>
+          <a:fontRef idx="minor">
+            <a:schemeClr val="lt1"/>
+          </a:fontRef>
+        </p:style>
+        <p:txBody>
+          <a:bodyPr rtlCol="0" anchor="ctr"/>
+          <a:lstStyle/>
+          <a:p>
+            <a:pPr algn="ctr"/>
+            <a:r>
+              <a:rPr lang="en-US" sz="2600" dirty="0">
+                <a:solidFill>
+                  <a:schemeClr val="tx1"/>
+                </a:solidFill>
+              </a:rPr>
+              <a:t>z</a:t>
+            </a:r>
+            <a:r>
+              <a:rPr lang="en-US" sz="2600" baseline="-25000" dirty="0" smtClean="0">
+                <a:solidFill>
+                  <a:schemeClr val="tx1"/>
+                </a:solidFill>
+              </a:rPr>
+              <a:t>6</a:t>
+            </a:r>
+            <a:endParaRPr lang="en-US" sz="2600" dirty="0">
+              <a:solidFill>
+                <a:schemeClr val="tx1"/>
+              </a:solidFill>
+            </a:endParaRPr>
+          </a:p>
+        </p:txBody>
+      </p:sp>
+      <p:sp>
+        <p:nvSpPr>
+          <p:cNvPr id="40" name="Oval 39"/>
+          <p:cNvSpPr/>
+          <p:nvPr/>
+        </p:nvSpPr>
+        <p:spPr>
+          <a:xfrm>
+            <a:off x="2175874" y="4753735"/>
+            <a:ext cx="625008" cy="625008"/>
+          </a:xfrm>
+          <a:prstGeom prst="ellipse">
+            <a:avLst/>
+          </a:prstGeom>
+          <a:solidFill>
+            <a:schemeClr val="bg1">
+              <a:lumMod val="85000"/>
+            </a:schemeClr>
+          </a:solidFill>
+          <a:ln w="25400">
+            <a:solidFill>
+              <a:schemeClr val="tx1"/>
+            </a:solidFill>
+          </a:ln>
+        </p:spPr>
+        <p:style>
+          <a:lnRef idx="2">
+            <a:schemeClr val="accent1">
+              <a:shade val="50000"/>
+            </a:schemeClr>
+          </a:lnRef>
+          <a:fillRef idx="1">
+            <a:schemeClr val="accent1"/>
+          </a:fillRef>
+          <a:effectRef idx="0">
+            <a:schemeClr val="accent1"/>
+          </a:effectRef>
+          <a:fontRef idx="minor">
+            <a:schemeClr val="lt1"/>
+          </a:fontRef>
+        </p:style>
+        <p:txBody>
+          <a:bodyPr rtlCol="0" anchor="ctr"/>
+          <a:lstStyle/>
+          <a:p>
+            <a:pPr algn="ctr"/>
+            <a:r>
+              <a:rPr lang="en-US" sz="2600" dirty="0">
+                <a:solidFill>
+                  <a:schemeClr val="tx1"/>
+                </a:solidFill>
+              </a:rPr>
+              <a:t>z</a:t>
+            </a:r>
+            <a:r>
+              <a:rPr lang="en-US" sz="2600" baseline="-25000" dirty="0" smtClean="0">
+                <a:solidFill>
+                  <a:schemeClr val="tx1"/>
+                </a:solidFill>
+              </a:rPr>
+              <a:t>7</a:t>
+            </a:r>
+            <a:endParaRPr lang="en-US" sz="2600" dirty="0">
+              <a:solidFill>
+                <a:schemeClr val="tx1"/>
+              </a:solidFill>
+            </a:endParaRPr>
+          </a:p>
+        </p:txBody>
+      </p:sp>
+      <p:sp>
+        <p:nvSpPr>
+          <p:cNvPr id="41" name="Oval 40"/>
+          <p:cNvSpPr/>
+          <p:nvPr/>
+        </p:nvSpPr>
+        <p:spPr>
+          <a:xfrm>
+            <a:off x="3923158" y="4753735"/>
+            <a:ext cx="625008" cy="625008"/>
+          </a:xfrm>
+          <a:prstGeom prst="ellipse">
+            <a:avLst/>
+          </a:prstGeom>
+          <a:solidFill>
+            <a:schemeClr val="bg1">
+              <a:lumMod val="85000"/>
+            </a:schemeClr>
+          </a:solidFill>
+          <a:ln w="25400">
+            <a:solidFill>
+              <a:schemeClr val="tx1"/>
+            </a:solidFill>
+          </a:ln>
+        </p:spPr>
+        <p:style>
+          <a:lnRef idx="2">
+            <a:schemeClr val="accent1">
+              <a:shade val="50000"/>
+            </a:schemeClr>
+          </a:lnRef>
+          <a:fillRef idx="1">
+            <a:schemeClr val="accent1"/>
+          </a:fillRef>
+          <a:effectRef idx="0">
+            <a:schemeClr val="accent1"/>
+          </a:effectRef>
+          <a:fontRef idx="minor">
+            <a:schemeClr val="lt1"/>
+          </a:fontRef>
+        </p:style>
+        <p:txBody>
+          <a:bodyPr rtlCol="0" anchor="ctr"/>
+          <a:lstStyle/>
+          <a:p>
+            <a:pPr algn="ctr"/>
+            <a:r>
+              <a:rPr lang="en-US" sz="2600" dirty="0">
+                <a:solidFill>
+                  <a:schemeClr val="tx1"/>
+                </a:solidFill>
+              </a:rPr>
+              <a:t>z</a:t>
+            </a:r>
+            <a:r>
+              <a:rPr lang="en-US" sz="2600" baseline="-25000" dirty="0" smtClean="0">
+                <a:solidFill>
+                  <a:schemeClr val="tx1"/>
+                </a:solidFill>
+              </a:rPr>
+              <a:t>8</a:t>
+            </a:r>
+            <a:endParaRPr lang="en-US" sz="2600" dirty="0">
+              <a:solidFill>
+                <a:schemeClr val="tx1"/>
+              </a:solidFill>
+            </a:endParaRPr>
+          </a:p>
+        </p:txBody>
+      </p:sp>
+      <p:sp>
+        <p:nvSpPr>
+          <p:cNvPr id="43" name="Oval 42"/>
+          <p:cNvSpPr/>
+          <p:nvPr/>
+        </p:nvSpPr>
+        <p:spPr>
+          <a:xfrm>
+            <a:off x="5670442" y="4753735"/>
+            <a:ext cx="625008" cy="625008"/>
+          </a:xfrm>
+          <a:prstGeom prst="ellipse">
+            <a:avLst/>
+          </a:prstGeom>
+          <a:solidFill>
+            <a:schemeClr val="bg1">
+              <a:lumMod val="85000"/>
+            </a:schemeClr>
+          </a:solidFill>
+          <a:ln w="25400">
+            <a:solidFill>
+              <a:schemeClr val="tx1"/>
+            </a:solidFill>
+          </a:ln>
+        </p:spPr>
+        <p:style>
+          <a:lnRef idx="2">
+            <a:schemeClr val="accent1">
+              <a:shade val="50000"/>
+            </a:schemeClr>
+          </a:lnRef>
+          <a:fillRef idx="1">
+            <a:schemeClr val="accent1"/>
+          </a:fillRef>
+          <a:effectRef idx="0">
+            <a:schemeClr val="accent1"/>
+          </a:effectRef>
+          <a:fontRef idx="minor">
+            <a:schemeClr val="lt1"/>
+          </a:fontRef>
+        </p:style>
+        <p:txBody>
+          <a:bodyPr rtlCol="0" anchor="ctr"/>
+          <a:lstStyle/>
+          <a:p>
+            <a:pPr algn="ctr"/>
+            <a:r>
+              <a:rPr lang="en-US" sz="2600" dirty="0">
+                <a:solidFill>
+                  <a:schemeClr val="tx1"/>
+                </a:solidFill>
+              </a:rPr>
+              <a:t>z</a:t>
+            </a:r>
+            <a:r>
+              <a:rPr lang="en-US" sz="2600" baseline="-25000" dirty="0" smtClean="0">
+                <a:solidFill>
+                  <a:schemeClr val="tx1"/>
+                </a:solidFill>
+              </a:rPr>
+              <a:t>9</a:t>
+            </a:r>
+            <a:endParaRPr lang="en-US" sz="2600" dirty="0">
+              <a:solidFill>
+                <a:schemeClr val="tx1"/>
+              </a:solidFill>
+            </a:endParaRPr>
+          </a:p>
+        </p:txBody>
+      </p:sp>
+      <p:cxnSp>
+        <p:nvCxnSpPr>
+          <p:cNvPr id="50" name="Straight Arrow Connector 49"/>
+          <p:cNvCxnSpPr>
+            <a:stCxn id="25" idx="7"/>
+            <a:endCxn id="8" idx="3"/>
+          </p:cNvCxnSpPr>
+          <p:nvPr/>
+        </p:nvCxnSpPr>
+        <p:spPr>
+          <a:xfrm flipV="1">
+            <a:off x="2709352" y="1333232"/>
+            <a:ext cx="183060" cy="183060"/>
+          </a:xfrm>
+          <a:prstGeom prst="straightConnector1">
+            <a:avLst/>
+          </a:prstGeom>
+          <a:ln w="31750">
+            <a:solidFill>
+              <a:schemeClr val="tx1"/>
+            </a:solidFill>
+            <a:prstDash val="solid"/>
+            <a:tailEnd type="none" w="lg" len="lg"/>
+          </a:ln>
+        </p:spPr>
+        <p:style>
+          <a:lnRef idx="1">
+            <a:schemeClr val="accent1"/>
+          </a:lnRef>
+          <a:fillRef idx="0">
+            <a:schemeClr val="accent1"/>
+          </a:fillRef>
+          <a:effectRef idx="0">
+            <a:schemeClr val="accent1"/>
+          </a:effectRef>
+          <a:fontRef idx="minor">
+            <a:schemeClr val="tx1"/>
+          </a:fontRef>
+        </p:style>
+      </p:cxnSp>
+      <p:cxnSp>
+        <p:nvCxnSpPr>
+          <p:cNvPr id="51" name="Straight Arrow Connector 50"/>
+          <p:cNvCxnSpPr>
+            <a:stCxn id="31" idx="7"/>
+            <a:endCxn id="10" idx="3"/>
+          </p:cNvCxnSpPr>
+          <p:nvPr/>
+        </p:nvCxnSpPr>
+        <p:spPr>
+          <a:xfrm flipV="1">
+            <a:off x="4456636" y="1333232"/>
+            <a:ext cx="183060" cy="183060"/>
+          </a:xfrm>
+          <a:prstGeom prst="straightConnector1">
+            <a:avLst/>
+          </a:prstGeom>
+          <a:ln w="31750">
+            <a:solidFill>
+              <a:schemeClr val="tx1"/>
+            </a:solidFill>
+            <a:prstDash val="solid"/>
+            <a:tailEnd type="none" w="lg" len="lg"/>
+          </a:ln>
+        </p:spPr>
+        <p:style>
+          <a:lnRef idx="1">
+            <a:schemeClr val="accent1"/>
+          </a:lnRef>
+          <a:fillRef idx="0">
+            <a:schemeClr val="accent1"/>
+          </a:fillRef>
+          <a:effectRef idx="0">
+            <a:schemeClr val="accent1"/>
+          </a:effectRef>
+          <a:fontRef idx="minor">
+            <a:schemeClr val="tx1"/>
+          </a:fontRef>
+        </p:style>
+      </p:cxnSp>
+      <p:cxnSp>
+        <p:nvCxnSpPr>
+          <p:cNvPr id="52" name="Straight Arrow Connector 51"/>
+          <p:cNvCxnSpPr>
+            <a:stCxn id="37" idx="7"/>
+            <a:endCxn id="15" idx="3"/>
+          </p:cNvCxnSpPr>
+          <p:nvPr/>
+        </p:nvCxnSpPr>
+        <p:spPr>
+          <a:xfrm flipV="1">
+            <a:off x="6203920" y="1333232"/>
+            <a:ext cx="183060" cy="183060"/>
+          </a:xfrm>
+          <a:prstGeom prst="straightConnector1">
+            <a:avLst/>
+          </a:prstGeom>
+          <a:ln w="31750">
+            <a:solidFill>
+              <a:schemeClr val="tx1"/>
+            </a:solidFill>
+            <a:prstDash val="solid"/>
+            <a:tailEnd type="none" w="lg" len="lg"/>
+          </a:ln>
+        </p:spPr>
+        <p:style>
+          <a:lnRef idx="1">
+            <a:schemeClr val="accent1"/>
+          </a:lnRef>
+          <a:fillRef idx="0">
+            <a:schemeClr val="accent1"/>
+          </a:fillRef>
+          <a:effectRef idx="0">
+            <a:schemeClr val="accent1"/>
+          </a:effectRef>
+          <a:fontRef idx="minor">
+            <a:schemeClr val="tx1"/>
+          </a:fontRef>
+        </p:style>
+      </p:cxnSp>
+      <p:cxnSp>
+        <p:nvCxnSpPr>
+          <p:cNvPr id="53" name="Straight Arrow Connector 52"/>
+          <p:cNvCxnSpPr>
+            <a:stCxn id="38" idx="7"/>
+            <a:endCxn id="16" idx="3"/>
+          </p:cNvCxnSpPr>
+          <p:nvPr/>
+        </p:nvCxnSpPr>
+        <p:spPr>
+          <a:xfrm flipV="1">
+            <a:off x="6203920" y="2997719"/>
+            <a:ext cx="183060" cy="183060"/>
+          </a:xfrm>
+          <a:prstGeom prst="straightConnector1">
+            <a:avLst/>
+          </a:prstGeom>
+          <a:ln w="31750">
+            <a:solidFill>
+              <a:schemeClr val="tx1"/>
+            </a:solidFill>
+            <a:prstDash val="solid"/>
+            <a:tailEnd type="none" w="lg" len="lg"/>
+          </a:ln>
+        </p:spPr>
+        <p:style>
+          <a:lnRef idx="1">
+            <a:schemeClr val="accent1"/>
+          </a:lnRef>
+          <a:fillRef idx="0">
+            <a:schemeClr val="accent1"/>
+          </a:fillRef>
+          <a:effectRef idx="0">
+            <a:schemeClr val="accent1"/>
+          </a:effectRef>
+          <a:fontRef idx="minor">
+            <a:schemeClr val="tx1"/>
+          </a:fontRef>
+        </p:style>
+      </p:cxnSp>
+      <p:cxnSp>
+        <p:nvCxnSpPr>
+          <p:cNvPr id="56" name="Straight Arrow Connector 55"/>
+          <p:cNvCxnSpPr>
+            <a:stCxn id="32" idx="7"/>
+            <a:endCxn id="12" idx="3"/>
+          </p:cNvCxnSpPr>
+          <p:nvPr/>
+        </p:nvCxnSpPr>
+        <p:spPr>
+          <a:xfrm flipV="1">
+            <a:off x="4456636" y="2997719"/>
+            <a:ext cx="183060" cy="183060"/>
+          </a:xfrm>
+          <a:prstGeom prst="straightConnector1">
+            <a:avLst/>
+          </a:prstGeom>
+          <a:ln w="31750">
+            <a:solidFill>
+              <a:schemeClr val="tx1"/>
+            </a:solidFill>
+            <a:prstDash val="solid"/>
+            <a:tailEnd type="none" w="lg" len="lg"/>
+          </a:ln>
+        </p:spPr>
+        <p:style>
+          <a:lnRef idx="1">
+            <a:schemeClr val="accent1"/>
+          </a:lnRef>
+          <a:fillRef idx="0">
+            <a:schemeClr val="accent1"/>
+          </a:fillRef>
+          <a:effectRef idx="0">
+            <a:schemeClr val="accent1"/>
+          </a:effectRef>
+          <a:fontRef idx="minor">
+            <a:schemeClr val="tx1"/>
+          </a:fontRef>
+        </p:style>
+      </p:cxnSp>
+      <p:cxnSp>
+        <p:nvCxnSpPr>
+          <p:cNvPr id="59" name="Straight Arrow Connector 58"/>
+          <p:cNvCxnSpPr>
+            <a:stCxn id="29" idx="7"/>
+            <a:endCxn id="9" idx="3"/>
+          </p:cNvCxnSpPr>
+          <p:nvPr/>
+        </p:nvCxnSpPr>
+        <p:spPr>
+          <a:xfrm flipV="1">
+            <a:off x="2709352" y="2997719"/>
+            <a:ext cx="183060" cy="183060"/>
+          </a:xfrm>
+          <a:prstGeom prst="straightConnector1">
+            <a:avLst/>
+          </a:prstGeom>
+          <a:ln w="31750">
+            <a:solidFill>
+              <a:schemeClr val="tx1"/>
+            </a:solidFill>
+            <a:prstDash val="solid"/>
+            <a:tailEnd type="none" w="lg" len="lg"/>
+          </a:ln>
+        </p:spPr>
+        <p:style>
+          <a:lnRef idx="1">
+            <a:schemeClr val="accent1"/>
+          </a:lnRef>
+          <a:fillRef idx="0">
+            <a:schemeClr val="accent1"/>
+          </a:fillRef>
+          <a:effectRef idx="0">
+            <a:schemeClr val="accent1"/>
+          </a:effectRef>
+          <a:fontRef idx="minor">
+            <a:schemeClr val="tx1"/>
+          </a:fontRef>
+        </p:style>
+      </p:cxnSp>
+      <p:cxnSp>
+        <p:nvCxnSpPr>
+          <p:cNvPr id="62" name="Straight Arrow Connector 61"/>
+          <p:cNvCxnSpPr>
+            <a:stCxn id="40" idx="7"/>
+            <a:endCxn id="18" idx="3"/>
+          </p:cNvCxnSpPr>
+          <p:nvPr/>
+        </p:nvCxnSpPr>
+        <p:spPr>
+          <a:xfrm flipV="1">
+            <a:off x="2709352" y="4662205"/>
+            <a:ext cx="183060" cy="183060"/>
+          </a:xfrm>
+          <a:prstGeom prst="straightConnector1">
+            <a:avLst/>
+          </a:prstGeom>
+          <a:ln w="31750">
+            <a:solidFill>
+              <a:schemeClr val="tx1"/>
+            </a:solidFill>
+            <a:prstDash val="solid"/>
+            <a:tailEnd type="none" w="lg" len="lg"/>
+          </a:ln>
+        </p:spPr>
+        <p:style>
+          <a:lnRef idx="1">
+            <a:schemeClr val="accent1"/>
+          </a:lnRef>
+          <a:fillRef idx="0">
+            <a:schemeClr val="accent1"/>
+          </a:fillRef>
+          <a:effectRef idx="0">
+            <a:schemeClr val="accent1"/>
+          </a:effectRef>
+          <a:fontRef idx="minor">
+            <a:schemeClr val="tx1"/>
+          </a:fontRef>
+        </p:style>
+      </p:cxnSp>
+      <p:cxnSp>
+        <p:nvCxnSpPr>
+          <p:cNvPr id="65" name="Straight Arrow Connector 64"/>
+          <p:cNvCxnSpPr>
+            <a:stCxn id="41" idx="7"/>
+            <a:endCxn id="19" idx="3"/>
+          </p:cNvCxnSpPr>
+          <p:nvPr/>
+        </p:nvCxnSpPr>
+        <p:spPr>
+          <a:xfrm flipV="1">
+            <a:off x="4456636" y="4662205"/>
+            <a:ext cx="183060" cy="183060"/>
+          </a:xfrm>
+          <a:prstGeom prst="straightConnector1">
+            <a:avLst/>
+          </a:prstGeom>
+          <a:ln w="31750">
+            <a:solidFill>
+              <a:schemeClr val="tx1"/>
+            </a:solidFill>
+            <a:prstDash val="solid"/>
+            <a:tailEnd type="none" w="lg" len="lg"/>
+          </a:ln>
+        </p:spPr>
+        <p:style>
+          <a:lnRef idx="1">
+            <a:schemeClr val="accent1"/>
+          </a:lnRef>
+          <a:fillRef idx="0">
+            <a:schemeClr val="accent1"/>
+          </a:fillRef>
+          <a:effectRef idx="0">
+            <a:schemeClr val="accent1"/>
+          </a:effectRef>
+          <a:fontRef idx="minor">
+            <a:schemeClr val="tx1"/>
+          </a:fontRef>
+        </p:style>
+      </p:cxnSp>
+      <p:cxnSp>
+        <p:nvCxnSpPr>
+          <p:cNvPr id="68" name="Straight Arrow Connector 67"/>
+          <p:cNvCxnSpPr>
+            <a:stCxn id="43" idx="7"/>
+            <a:endCxn id="21" idx="3"/>
+          </p:cNvCxnSpPr>
+          <p:nvPr/>
+        </p:nvCxnSpPr>
+        <p:spPr>
+          <a:xfrm flipV="1">
+            <a:off x="6203920" y="4662205"/>
+            <a:ext cx="183060" cy="183060"/>
+          </a:xfrm>
+          <a:prstGeom prst="straightConnector1">
+            <a:avLst/>
+          </a:prstGeom>
+          <a:ln w="31750">
+            <a:solidFill>
+              <a:schemeClr val="tx1"/>
+            </a:solidFill>
+            <a:prstDash val="solid"/>
+            <a:tailEnd type="none" w="lg" len="lg"/>
+          </a:ln>
+        </p:spPr>
+        <p:style>
+          <a:lnRef idx="1">
+            <a:schemeClr val="accent1"/>
+          </a:lnRef>
+          <a:fillRef idx="0">
+            <a:schemeClr val="accent1"/>
+          </a:fillRef>
+          <a:effectRef idx="0">
+            <a:schemeClr val="accent1"/>
+          </a:effectRef>
+          <a:fontRef idx="minor">
+            <a:schemeClr val="tx1"/>
+          </a:fontRef>
+        </p:style>
+      </p:cxnSp>
+    </p:spTree>
+    <p:extLst>
+      <p:ext uri="{BB962C8B-B14F-4D97-AF65-F5344CB8AC3E}">
+        <p14:creationId xmlns:p14="http://schemas.microsoft.com/office/powerpoint/2010/main" val="722126507"/>
+      </p:ext>
+    </p:extLst>
+  </p:cSld>
+  <p:clrMapOvr>
+    <a:masterClrMapping/>
+  </p:clrMapOvr>
+  <p:timing>
+    <p:tnLst>
+      <p:par>
+        <p:cTn id="1" dur="indefinite" restart="never" nodeType="tmRoot"/>
+      </p:par>
+    </p:tnLst>
+  </p:timing>
+</p:sld>
+</file>
+
 <file path=ppt/theme/theme1.xml><?xml version="1.0" encoding="utf-8"?>
 <a:theme xmlns:a="http://schemas.openxmlformats.org/drawingml/2006/main" name="Office Theme">
   <a:themeElements>

--- a/ps3/figures.pptx
+++ b/ps3/figures.pptx
@@ -3857,12 +3857,12 @@
           <a:p>
             <a:pPr algn="ctr"/>
             <a:r>
-              <a:rPr lang="en-US" sz="2600" dirty="0" smtClean="0">
+              <a:rPr lang="en-US" sz="2600" dirty="0">
                 <a:solidFill>
                   <a:schemeClr val="tx1"/>
                 </a:solidFill>
               </a:rPr>
-              <a:t>x</a:t>
+              <a:t>z</a:t>
             </a:r>
             <a:r>
               <a:rPr lang="en-US" sz="2600" baseline="-25000" dirty="0" smtClean="0">
@@ -3968,10 +3968,10 @@
                   <a:schemeClr val="tx1"/>
                 </a:solidFill>
               </a:rPr>
-              <a:t>x</a:t>
-            </a:r>
-            <a:r>
-              <a:rPr lang="en-US" sz="2600" baseline="-25000" dirty="0">
+              <a:t>z</a:t>
+            </a:r>
+            <a:r>
+              <a:rPr lang="en-US" sz="2600" baseline="-25000" dirty="0" smtClean="0">
                 <a:solidFill>
                   <a:schemeClr val="tx1"/>
                 </a:solidFill>
@@ -4034,10 +4034,10 @@
                   <a:schemeClr val="tx1"/>
                 </a:solidFill>
               </a:rPr>
-              <a:t>x</a:t>
-            </a:r>
-            <a:r>
-              <a:rPr lang="en-US" sz="2600" baseline="-25000" dirty="0">
+              <a:t>z</a:t>
+            </a:r>
+            <a:r>
+              <a:rPr lang="en-US" sz="2600" baseline="-25000" dirty="0" smtClean="0">
                 <a:solidFill>
                   <a:schemeClr val="tx1"/>
                 </a:solidFill>
@@ -4100,10 +4100,10 @@
                   <a:schemeClr val="tx1"/>
                 </a:solidFill>
               </a:rPr>
-              <a:t>x</a:t>
-            </a:r>
-            <a:r>
-              <a:rPr lang="en-US" sz="2600" baseline="-25000" dirty="0">
+              <a:t>z</a:t>
+            </a:r>
+            <a:r>
+              <a:rPr lang="en-US" sz="2600" baseline="-25000" dirty="0" smtClean="0">
                 <a:solidFill>
                   <a:schemeClr val="tx1"/>
                 </a:solidFill>
@@ -4286,10 +4286,10 @@
                   <a:schemeClr val="tx1"/>
                 </a:solidFill>
               </a:rPr>
-              <a:t>x</a:t>
-            </a:r>
-            <a:r>
-              <a:rPr lang="en-US" sz="2600" baseline="-25000" dirty="0">
+              <a:t>z</a:t>
+            </a:r>
+            <a:r>
+              <a:rPr lang="en-US" sz="2600" baseline="-25000" dirty="0" smtClean="0">
                 <a:solidFill>
                   <a:schemeClr val="tx1"/>
                 </a:solidFill>
@@ -4352,10 +4352,10 @@
                   <a:schemeClr val="tx1"/>
                 </a:solidFill>
               </a:rPr>
-              <a:t>x</a:t>
-            </a:r>
-            <a:r>
-              <a:rPr lang="en-US" sz="2600" baseline="-25000" dirty="0">
+              <a:t>z</a:t>
+            </a:r>
+            <a:r>
+              <a:rPr lang="en-US" sz="2600" baseline="-25000" dirty="0" smtClean="0">
                 <a:solidFill>
                   <a:schemeClr val="tx1"/>
                 </a:solidFill>
@@ -4455,10 +4455,10 @@
                   <a:schemeClr val="tx1"/>
                 </a:solidFill>
               </a:rPr>
-              <a:t>x</a:t>
-            </a:r>
-            <a:r>
-              <a:rPr lang="en-US" sz="2600" baseline="-25000" dirty="0">
+              <a:t>z</a:t>
+            </a:r>
+            <a:r>
+              <a:rPr lang="en-US" sz="2600" baseline="-25000" dirty="0" smtClean="0">
                 <a:solidFill>
                   <a:schemeClr val="tx1"/>
                 </a:solidFill>
@@ -4521,10 +4521,10 @@
                   <a:schemeClr val="tx1"/>
                 </a:solidFill>
               </a:rPr>
-              <a:t>x</a:t>
-            </a:r>
-            <a:r>
-              <a:rPr lang="en-US" sz="2600" baseline="-25000" dirty="0">
+              <a:t>z</a:t>
+            </a:r>
+            <a:r>
+              <a:rPr lang="en-US" sz="2600" baseline="-25000" dirty="0" smtClean="0">
                 <a:solidFill>
                   <a:schemeClr val="tx1"/>
                 </a:solidFill>
@@ -4624,10 +4624,10 @@
                   <a:schemeClr val="tx1"/>
                 </a:solidFill>
               </a:rPr>
-              <a:t>x</a:t>
-            </a:r>
-            <a:r>
-              <a:rPr lang="en-US" sz="2600" baseline="-25000" dirty="0">
+              <a:t>z</a:t>
+            </a:r>
+            <a:r>
+              <a:rPr lang="en-US" sz="2600" baseline="-25000" dirty="0" smtClean="0">
                 <a:solidFill>
                   <a:schemeClr val="tx1"/>
                 </a:solidFill>
@@ -4967,7 +4967,7 @@
                   <a:schemeClr val="tx1"/>
                 </a:solidFill>
               </a:rPr>
-              <a:t>x</a:t>
+              <a:t>z</a:t>
             </a:r>
             <a:r>
               <a:rPr lang="en-US" sz="2600" baseline="-25000" dirty="0" smtClean="0">
@@ -5073,10 +5073,10 @@
                   <a:schemeClr val="tx1"/>
                 </a:solidFill>
               </a:rPr>
-              <a:t>x</a:t>
-            </a:r>
-            <a:r>
-              <a:rPr lang="en-US" sz="2600" baseline="-25000" dirty="0">
+              <a:t>z</a:t>
+            </a:r>
+            <a:r>
+              <a:rPr lang="en-US" sz="2600" baseline="-25000" dirty="0" smtClean="0">
                 <a:solidFill>
                   <a:schemeClr val="tx1"/>
                 </a:solidFill>
@@ -5139,10 +5139,10 @@
                   <a:schemeClr val="tx1"/>
                 </a:solidFill>
               </a:rPr>
-              <a:t>x</a:t>
-            </a:r>
-            <a:r>
-              <a:rPr lang="en-US" sz="2600" baseline="-25000" dirty="0">
+              <a:t>z</a:t>
+            </a:r>
+            <a:r>
+              <a:rPr lang="en-US" sz="2600" baseline="-25000" dirty="0" smtClean="0">
                 <a:solidFill>
                   <a:schemeClr val="tx1"/>
                 </a:solidFill>
@@ -5205,10 +5205,10 @@
                   <a:schemeClr val="tx1"/>
                 </a:solidFill>
               </a:rPr>
-              <a:t>x</a:t>
-            </a:r>
-            <a:r>
-              <a:rPr lang="en-US" sz="2600" baseline="-25000" dirty="0">
+              <a:t>z</a:t>
+            </a:r>
+            <a:r>
+              <a:rPr lang="en-US" sz="2600" baseline="-25000" dirty="0" smtClean="0">
                 <a:solidFill>
                   <a:schemeClr val="tx1"/>
                 </a:solidFill>
@@ -5391,10 +5391,10 @@
                   <a:schemeClr val="tx1"/>
                 </a:solidFill>
               </a:rPr>
-              <a:t>x</a:t>
-            </a:r>
-            <a:r>
-              <a:rPr lang="en-US" sz="2600" baseline="-25000" dirty="0">
+              <a:t>z</a:t>
+            </a:r>
+            <a:r>
+              <a:rPr lang="en-US" sz="2600" baseline="-25000" dirty="0" smtClean="0">
                 <a:solidFill>
                   <a:schemeClr val="tx1"/>
                 </a:solidFill>
@@ -5457,10 +5457,10 @@
                   <a:schemeClr val="tx1"/>
                 </a:solidFill>
               </a:rPr>
-              <a:t>x</a:t>
-            </a:r>
-            <a:r>
-              <a:rPr lang="en-US" sz="2600" baseline="-25000" dirty="0">
+              <a:t>z</a:t>
+            </a:r>
+            <a:r>
+              <a:rPr lang="en-US" sz="2600" baseline="-25000" dirty="0" smtClean="0">
                 <a:solidFill>
                   <a:schemeClr val="tx1"/>
                 </a:solidFill>
@@ -5560,10 +5560,10 @@
                   <a:schemeClr val="tx1"/>
                 </a:solidFill>
               </a:rPr>
-              <a:t>x</a:t>
-            </a:r>
-            <a:r>
-              <a:rPr lang="en-US" sz="2600" baseline="-25000" dirty="0">
+              <a:t>z</a:t>
+            </a:r>
+            <a:r>
+              <a:rPr lang="en-US" sz="2600" baseline="-25000" dirty="0" smtClean="0">
                 <a:solidFill>
                   <a:schemeClr val="tx1"/>
                 </a:solidFill>
@@ -5626,10 +5626,10 @@
                   <a:schemeClr val="tx1"/>
                 </a:solidFill>
               </a:rPr>
-              <a:t>x</a:t>
-            </a:r>
-            <a:r>
-              <a:rPr lang="en-US" sz="2600" baseline="-25000" dirty="0">
+              <a:t>z</a:t>
+            </a:r>
+            <a:r>
+              <a:rPr lang="en-US" sz="2600" baseline="-25000" dirty="0" smtClean="0">
                 <a:solidFill>
                   <a:schemeClr val="tx1"/>
                 </a:solidFill>
@@ -5729,10 +5729,10 @@
                   <a:schemeClr val="tx1"/>
                 </a:solidFill>
               </a:rPr>
-              <a:t>x</a:t>
-            </a:r>
-            <a:r>
-              <a:rPr lang="en-US" sz="2600" baseline="-25000" dirty="0">
+              <a:t>z</a:t>
+            </a:r>
+            <a:r>
+              <a:rPr lang="en-US" sz="2600" baseline="-25000" dirty="0" smtClean="0">
                 <a:solidFill>
                   <a:schemeClr val="tx1"/>
                 </a:solidFill>
@@ -6034,12 +6034,12 @@
           <a:p>
             <a:pPr algn="ctr"/>
             <a:r>
-              <a:rPr lang="en-US" sz="2600" dirty="0">
+              <a:rPr lang="en-US" sz="2600" dirty="0" smtClean="0">
                 <a:solidFill>
                   <a:schemeClr val="tx1"/>
                 </a:solidFill>
               </a:rPr>
-              <a:t>z</a:t>
+              <a:t>x</a:t>
             </a:r>
             <a:r>
               <a:rPr lang="en-US" sz="2600" baseline="-25000" dirty="0" smtClean="0">
@@ -6104,12 +6104,12 @@
           <a:p>
             <a:pPr algn="ctr"/>
             <a:r>
-              <a:rPr lang="en-US" sz="2600" dirty="0">
+              <a:rPr lang="en-US" sz="2600" dirty="0" smtClean="0">
                 <a:solidFill>
                   <a:schemeClr val="tx1"/>
                 </a:solidFill>
               </a:rPr>
-              <a:t>z</a:t>
+              <a:t>x</a:t>
             </a:r>
             <a:r>
               <a:rPr lang="en-US" sz="2600" baseline="-25000" dirty="0" smtClean="0">
@@ -6174,12 +6174,12 @@
           <a:p>
             <a:pPr algn="ctr"/>
             <a:r>
-              <a:rPr lang="en-US" sz="2600" dirty="0">
+              <a:rPr lang="en-US" sz="2600" dirty="0" smtClean="0">
                 <a:solidFill>
                   <a:schemeClr val="tx1"/>
                 </a:solidFill>
               </a:rPr>
-              <a:t>z</a:t>
+              <a:t>x</a:t>
             </a:r>
             <a:r>
               <a:rPr lang="en-US" sz="2600" baseline="-25000" dirty="0" smtClean="0">
@@ -6244,12 +6244,12 @@
           <a:p>
             <a:pPr algn="ctr"/>
             <a:r>
-              <a:rPr lang="en-US" sz="2600" dirty="0">
+              <a:rPr lang="en-US" sz="2600" dirty="0" smtClean="0">
                 <a:solidFill>
                   <a:schemeClr val="tx1"/>
                 </a:solidFill>
               </a:rPr>
-              <a:t>z</a:t>
+              <a:t>x</a:t>
             </a:r>
             <a:r>
               <a:rPr lang="en-US" sz="2600" baseline="-25000" dirty="0" smtClean="0">
@@ -6314,12 +6314,12 @@
           <a:p>
             <a:pPr algn="ctr"/>
             <a:r>
-              <a:rPr lang="en-US" sz="2600" dirty="0">
+              <a:rPr lang="en-US" sz="2600" dirty="0" smtClean="0">
                 <a:solidFill>
                   <a:schemeClr val="tx1"/>
                 </a:solidFill>
               </a:rPr>
-              <a:t>z</a:t>
+              <a:t>x</a:t>
             </a:r>
             <a:r>
               <a:rPr lang="en-US" sz="2600" baseline="-25000" dirty="0" smtClean="0">
@@ -6384,12 +6384,12 @@
           <a:p>
             <a:pPr algn="ctr"/>
             <a:r>
-              <a:rPr lang="en-US" sz="2600" dirty="0">
+              <a:rPr lang="en-US" sz="2600" dirty="0" smtClean="0">
                 <a:solidFill>
                   <a:schemeClr val="tx1"/>
                 </a:solidFill>
               </a:rPr>
-              <a:t>z</a:t>
+              <a:t>x</a:t>
             </a:r>
             <a:r>
               <a:rPr lang="en-US" sz="2600" baseline="-25000" dirty="0" smtClean="0">
@@ -6454,15 +6454,15 @@
           <a:p>
             <a:pPr algn="ctr"/>
             <a:r>
-              <a:rPr lang="en-US" sz="2600" dirty="0">
+              <a:rPr lang="en-US" sz="2600" smtClean="0">
                 <a:solidFill>
                   <a:schemeClr val="tx1"/>
                 </a:solidFill>
               </a:rPr>
-              <a:t>z</a:t>
-            </a:r>
-            <a:r>
-              <a:rPr lang="en-US" sz="2600" baseline="-25000" dirty="0" smtClean="0">
+              <a:t>x</a:t>
+            </a:r>
+            <a:r>
+              <a:rPr lang="en-US" sz="2600" baseline="-25000" smtClean="0">
                 <a:solidFill>
                   <a:schemeClr val="tx1"/>
                 </a:solidFill>
@@ -6524,12 +6524,12 @@
           <a:p>
             <a:pPr algn="ctr"/>
             <a:r>
-              <a:rPr lang="en-US" sz="2600" dirty="0">
+              <a:rPr lang="en-US" sz="2600" dirty="0" smtClean="0">
                 <a:solidFill>
                   <a:schemeClr val="tx1"/>
                 </a:solidFill>
               </a:rPr>
-              <a:t>z</a:t>
+              <a:t>x</a:t>
             </a:r>
             <a:r>
               <a:rPr lang="en-US" sz="2600" baseline="-25000" dirty="0" smtClean="0">
@@ -6594,12 +6594,12 @@
           <a:p>
             <a:pPr algn="ctr"/>
             <a:r>
-              <a:rPr lang="en-US" sz="2600" dirty="0">
+              <a:rPr lang="en-US" sz="2600" dirty="0" smtClean="0">
                 <a:solidFill>
                   <a:schemeClr val="tx1"/>
                 </a:solidFill>
               </a:rPr>
-              <a:t>z</a:t>
+              <a:t>x</a:t>
             </a:r>
             <a:r>
               <a:rPr lang="en-US" sz="2600" baseline="-25000" dirty="0" smtClean="0">
